--- a/Opleveren/Sprint 3 presentatie.pptx
+++ b/Opleveren/Sprint 3 presentatie.pptx
@@ -8,10 +8,9 @@
     <p:sldId id="256" r:id="rId2"/>
     <p:sldId id="257" r:id="rId3"/>
     <p:sldId id="258" r:id="rId4"/>
-    <p:sldId id="259" r:id="rId5"/>
-    <p:sldId id="262" r:id="rId6"/>
-    <p:sldId id="260" r:id="rId7"/>
-    <p:sldId id="261" r:id="rId8"/>
+    <p:sldId id="262" r:id="rId5"/>
+    <p:sldId id="260" r:id="rId6"/>
+    <p:sldId id="261" r:id="rId7"/>
   </p:sldIdLst>
   <p:sldSz cx="12192000" cy="6858000"/>
   <p:notesSz cx="6858000" cy="9144000"/>
@@ -110,6 +109,11 @@
       </a:defRPr>
     </a:lvl9pPr>
   </p:defaultTextStyle>
+  <p:extLst>
+    <p:ext uri="{EFAFB233-063F-42B5-8137-9DF3F51BA10A}">
+      <p15:sldGuideLst xmlns:p15="http://schemas.microsoft.com/office/powerpoint/2012/main"/>
+    </p:ext>
+  </p:extLst>
 </p:presentation>
 </file>
 
@@ -7811,20 +7815,17 @@
           <a:p>
             <a:r>
               <a:rPr lang="nl-NL" dirty="0"/>
-              <a:t>Documentatie</a:t>
+              <a:t>Demo</a:t>
             </a:r>
           </a:p>
           <a:p>
             <a:r>
               <a:rPr lang="nl-NL" dirty="0"/>
-              <a:t>Demo</a:t>
-            </a:r>
-          </a:p>
-          <a:p>
-            <a:r>
-              <a:rPr lang="nl-NL" dirty="0"/>
-              <a:t> </a:t>
-            </a:r>
+              <a:t> Documentatie</a:t>
+            </a:r>
+          </a:p>
+          <a:p>
+            <a:endParaRPr lang="nl-NL" dirty="0"/>
           </a:p>
         </p:txBody>
       </p:sp>
@@ -7875,7 +7876,7 @@
           <a:p>
             <a:r>
               <a:rPr lang="nl-NL" dirty="0"/>
-              <a:t>Doelstelling sprint 3</a:t>
+              <a:t>Doelstellingen en afgerond</a:t>
             </a:r>
           </a:p>
         </p:txBody>
@@ -7909,7 +7910,7 @@
           <a:p>
             <a:r>
               <a:rPr lang="nl-NL" dirty="0"/>
-              <a:t>Foutloos product opleveren</a:t>
+              <a:t>Volledig werkend product opleveren</a:t>
             </a:r>
           </a:p>
           <a:p>
@@ -7964,7 +7965,7 @@
           <a:p>
             <a:r>
               <a:rPr lang="nl-NL" dirty="0"/>
-              <a:t>Afgerond deze sprint</a:t>
+              <a:t>Documentatie</a:t>
             </a:r>
           </a:p>
         </p:txBody>
@@ -7984,14 +7985,32 @@
           <a:bodyPr/>
           <a:lstStyle/>
           <a:p>
-            <a:endParaRPr lang="nl-NL"/>
+            <a:r>
+              <a:rPr lang="nl-NL" dirty="0"/>
+              <a:t>Bedrijfsvoering</a:t>
+            </a:r>
+          </a:p>
+          <a:p>
+            <a:r>
+              <a:rPr lang="nl-NL" dirty="0"/>
+              <a:t>Ingebouwd veiligheidsniveau</a:t>
+            </a:r>
+          </a:p>
+          <a:p>
+            <a:r>
+              <a:rPr lang="nl-NL" dirty="0"/>
+              <a:t>Advies vervolgstappen</a:t>
+            </a:r>
+          </a:p>
+          <a:p>
+            <a:endParaRPr lang="nl-NL" dirty="0"/>
           </a:p>
         </p:txBody>
       </p:sp>
     </p:spTree>
     <p:extLst>
       <p:ext uri="{BB962C8B-B14F-4D97-AF65-F5344CB8AC3E}">
-        <p14:creationId xmlns:p14="http://schemas.microsoft.com/office/powerpoint/2010/main" val="2674640491"/>
+        <p14:creationId xmlns:p14="http://schemas.microsoft.com/office/powerpoint/2010/main" val="2525288973"/>
       </p:ext>
     </p:extLst>
   </p:cSld>
@@ -8035,7 +8054,7 @@
           <a:p>
             <a:r>
               <a:rPr lang="nl-NL" dirty="0"/>
-              <a:t>Documentatie</a:t>
+              <a:t>Demonstratie</a:t>
             </a:r>
           </a:p>
         </p:txBody>
@@ -8052,108 +8071,60 @@
         </p:nvSpPr>
         <p:spPr/>
         <p:txBody>
-          <a:bodyPr/>
+          <a:bodyPr>
+            <a:normAutofit/>
+          </a:bodyPr>
           <a:lstStyle/>
           <a:p>
             <a:r>
               <a:rPr lang="nl-NL" dirty="0"/>
-              <a:t>Bedrijfsvoering</a:t>
+              <a:t>USE CASE Administrator</a:t>
             </a:r>
           </a:p>
           <a:p>
             <a:r>
               <a:rPr lang="nl-NL" dirty="0"/>
-              <a:t>Ingebouwd veiligheidsniveau</a:t>
+              <a:t>Agenda inplannen</a:t>
             </a:r>
           </a:p>
           <a:p>
             <a:r>
               <a:rPr lang="nl-NL" dirty="0"/>
-              <a:t>Advies vervolgstappen</a:t>
-            </a:r>
-          </a:p>
-          <a:p>
+              <a:t>Status van boekingen wijzigen</a:t>
+            </a:r>
+          </a:p>
+          <a:p>
+            <a:r>
+              <a:rPr lang="nl-NL" dirty="0"/>
+              <a:t>Boekingsgegevens opvragen</a:t>
+            </a:r>
+          </a:p>
+          <a:p>
+            <a:pPr marL="0" indent="0">
+              <a:buNone/>
+            </a:pPr>
             <a:endParaRPr lang="nl-NL" dirty="0"/>
           </a:p>
-        </p:txBody>
-      </p:sp>
-    </p:spTree>
-    <p:extLst>
-      <p:ext uri="{BB962C8B-B14F-4D97-AF65-F5344CB8AC3E}">
-        <p14:creationId xmlns:p14="http://schemas.microsoft.com/office/powerpoint/2010/main" val="2525288973"/>
-      </p:ext>
-    </p:extLst>
-  </p:cSld>
-  <p:clrMapOvr>
-    <a:masterClrMapping/>
-  </p:clrMapOvr>
-</p:sld>
-</file>
-
-<file path=ppt/slides/slide6.xml><?xml version="1.0" encoding="utf-8"?>
-<p:sld xmlns:a="http://schemas.openxmlformats.org/drawingml/2006/main" xmlns:r="http://schemas.openxmlformats.org/officeDocument/2006/relationships" xmlns:p="http://schemas.openxmlformats.org/presentationml/2006/main">
-  <p:cSld>
-    <p:spTree>
-      <p:nvGrpSpPr>
-        <p:cNvPr id="1" name=""/>
-        <p:cNvGrpSpPr/>
-        <p:nvPr/>
-      </p:nvGrpSpPr>
-      <p:grpSpPr>
-        <a:xfrm>
-          <a:off x="0" y="0"/>
-          <a:ext cx="0" cy="0"/>
-          <a:chOff x="0" y="0"/>
-          <a:chExt cx="0" cy="0"/>
-        </a:xfrm>
-      </p:grpSpPr>
-      <p:sp>
-        <p:nvSpPr>
-          <p:cNvPr id="2" name="Title 1"/>
-          <p:cNvSpPr>
-            <a:spLocks noGrp="1"/>
-          </p:cNvSpPr>
-          <p:nvPr>
-            <p:ph type="title"/>
-          </p:nvPr>
-        </p:nvSpPr>
-        <p:spPr/>
-        <p:txBody>
-          <a:bodyPr/>
-          <a:lstStyle/>
           <a:p>
             <a:r>
               <a:rPr lang="nl-NL" dirty="0"/>
-              <a:t>Demonstratie</a:t>
-            </a:r>
-          </a:p>
-        </p:txBody>
-      </p:sp>
-      <p:sp>
-        <p:nvSpPr>
-          <p:cNvPr id="3" name="Content Placeholder 2"/>
-          <p:cNvSpPr>
-            <a:spLocks noGrp="1"/>
-          </p:cNvSpPr>
-          <p:nvPr>
-            <p:ph idx="1"/>
-          </p:nvPr>
-        </p:nvSpPr>
-        <p:spPr/>
-        <p:txBody>
-          <a:bodyPr/>
-          <a:lstStyle/>
+              <a:t>USE CASE Gast/klant</a:t>
+            </a:r>
+          </a:p>
           <a:p>
             <a:r>
               <a:rPr lang="nl-NL" dirty="0"/>
-              <a:t>USE CASES</a:t>
+              <a:t>Wisselen van taal</a:t>
             </a:r>
           </a:p>
           <a:p>
             <a:r>
               <a:rPr lang="nl-NL" dirty="0"/>
-              <a:t>Agenda</a:t>
-            </a:r>
+              <a:t>Bevestigingsmail boeking</a:t>
+            </a:r>
+          </a:p>
+          <a:p>
+            <a:endParaRPr lang="nl-NL" dirty="0"/>
           </a:p>
           <a:p>
             <a:endParaRPr lang="nl-NL" dirty="0"/>
@@ -8173,7 +8144,7 @@
 </p:sld>
 </file>
 
-<file path=ppt/slides/slide7.xml><?xml version="1.0" encoding="utf-8"?>
+<file path=ppt/slides/slide6.xml><?xml version="1.0" encoding="utf-8"?>
 <p:sld xmlns:a="http://schemas.openxmlformats.org/drawingml/2006/main" xmlns:r="http://schemas.openxmlformats.org/officeDocument/2006/relationships" xmlns:p="http://schemas.openxmlformats.org/presentationml/2006/main">
   <p:cSld>
     <p:spTree>

--- a/Opleveren/Sprint 3 presentatie.pptx
+++ b/Opleveren/Sprint 3 presentatie.pptx
@@ -8,8 +8,8 @@
     <p:sldId id="256" r:id="rId2"/>
     <p:sldId id="257" r:id="rId3"/>
     <p:sldId id="258" r:id="rId4"/>
-    <p:sldId id="262" r:id="rId5"/>
-    <p:sldId id="260" r:id="rId6"/>
+    <p:sldId id="260" r:id="rId5"/>
+    <p:sldId id="262" r:id="rId6"/>
     <p:sldId id="261" r:id="rId7"/>
   </p:sldIdLst>
   <p:sldSz cx="12192000" cy="6858000"/>
@@ -306,7 +306,7 @@
             <a:fld id="{B61BEF0D-F0BB-DE4B-95CE-6DB70DBA9567}" type="datetimeFigureOut">
               <a:rPr lang="en-US" dirty="0"/>
               <a:pPr/>
-              <a:t>1/6/2017</a:t>
+              <a:t>1/8/2017</a:t>
             </a:fld>
             <a:endParaRPr lang="en-US" dirty="0"/>
           </a:p>
@@ -641,7 +641,7 @@
             <a:fld id="{B61BEF0D-F0BB-DE4B-95CE-6DB70DBA9567}" type="datetimeFigureOut">
               <a:rPr lang="en-US" dirty="0"/>
               <a:pPr/>
-              <a:t>1/6/2017</a:t>
+              <a:t>1/8/2017</a:t>
             </a:fld>
             <a:endParaRPr lang="en-US" dirty="0"/>
           </a:p>
@@ -1039,7 +1039,7 @@
             <a:fld id="{B61BEF0D-F0BB-DE4B-95CE-6DB70DBA9567}" type="datetimeFigureOut">
               <a:rPr lang="en-US" dirty="0"/>
               <a:pPr/>
-              <a:t>1/6/2017</a:t>
+              <a:t>1/8/2017</a:t>
             </a:fld>
             <a:endParaRPr lang="en-US" dirty="0"/>
           </a:p>
@@ -1372,7 +1372,7 @@
             <a:fld id="{B61BEF0D-F0BB-DE4B-95CE-6DB70DBA9567}" type="datetimeFigureOut">
               <a:rPr lang="en-US" dirty="0"/>
               <a:pPr/>
-              <a:t>1/6/2017</a:t>
+              <a:t>1/8/2017</a:t>
             </a:fld>
             <a:endParaRPr lang="en-US" dirty="0"/>
           </a:p>
@@ -1689,7 +1689,7 @@
             <a:fld id="{B61BEF0D-F0BB-DE4B-95CE-6DB70DBA9567}" type="datetimeFigureOut">
               <a:rPr lang="en-US" dirty="0"/>
               <a:pPr/>
-              <a:t>1/6/2017</a:t>
+              <a:t>1/8/2017</a:t>
             </a:fld>
             <a:endParaRPr lang="en-US" dirty="0"/>
           </a:p>
@@ -2082,7 +2082,7 @@
             <a:fld id="{B61BEF0D-F0BB-DE4B-95CE-6DB70DBA9567}" type="datetimeFigureOut">
               <a:rPr lang="en-US" dirty="0"/>
               <a:pPr/>
-              <a:t>1/6/2017</a:t>
+              <a:t>1/8/2017</a:t>
             </a:fld>
             <a:endParaRPr lang="en-US" dirty="0"/>
           </a:p>
@@ -2336,7 +2336,7 @@
             <a:fld id="{B61BEF0D-F0BB-DE4B-95CE-6DB70DBA9567}" type="datetimeFigureOut">
               <a:rPr lang="en-US" dirty="0"/>
               <a:pPr/>
-              <a:t>1/6/2017</a:t>
+              <a:t>1/8/2017</a:t>
             </a:fld>
             <a:endParaRPr lang="en-US" dirty="0"/>
           </a:p>
@@ -2595,7 +2595,7 @@
             <a:fld id="{B61BEF0D-F0BB-DE4B-95CE-6DB70DBA9567}" type="datetimeFigureOut">
               <a:rPr lang="en-US" dirty="0"/>
               <a:pPr/>
-              <a:t>1/6/2017</a:t>
+              <a:t>1/8/2017</a:t>
             </a:fld>
             <a:endParaRPr lang="en-US" dirty="0"/>
           </a:p>
@@ -2854,7 +2854,7 @@
             <a:fld id="{B61BEF0D-F0BB-DE4B-95CE-6DB70DBA9567}" type="datetimeFigureOut">
               <a:rPr lang="en-US" dirty="0"/>
               <a:pPr/>
-              <a:t>1/6/2017</a:t>
+              <a:t>1/8/2017</a:t>
             </a:fld>
             <a:endParaRPr lang="en-US" dirty="0"/>
           </a:p>
@@ -3180,7 +3180,7 @@
             <a:fld id="{B61BEF0D-F0BB-DE4B-95CE-6DB70DBA9567}" type="datetimeFigureOut">
               <a:rPr lang="en-US" dirty="0"/>
               <a:pPr/>
-              <a:t>1/6/2017</a:t>
+              <a:t>1/8/2017</a:t>
             </a:fld>
             <a:endParaRPr lang="en-US" dirty="0"/>
           </a:p>
@@ -3500,7 +3500,7 @@
             <a:fld id="{B61BEF0D-F0BB-DE4B-95CE-6DB70DBA9567}" type="datetimeFigureOut">
               <a:rPr lang="en-US" dirty="0"/>
               <a:pPr/>
-              <a:t>1/6/2017</a:t>
+              <a:t>1/8/2017</a:t>
             </a:fld>
             <a:endParaRPr lang="en-US" dirty="0"/>
           </a:p>
@@ -3954,7 +3954,7 @@
             <a:fld id="{B61BEF0D-F0BB-DE4B-95CE-6DB70DBA9567}" type="datetimeFigureOut">
               <a:rPr lang="en-US" dirty="0"/>
               <a:pPr/>
-              <a:t>1/6/2017</a:t>
+              <a:t>1/8/2017</a:t>
             </a:fld>
             <a:endParaRPr lang="en-US" dirty="0"/>
           </a:p>
@@ -4156,7 +4156,7 @@
             <a:fld id="{B61BEF0D-F0BB-DE4B-95CE-6DB70DBA9567}" type="datetimeFigureOut">
               <a:rPr lang="en-US" dirty="0"/>
               <a:pPr/>
-              <a:t>1/6/2017</a:t>
+              <a:t>1/8/2017</a:t>
             </a:fld>
             <a:endParaRPr lang="en-US" dirty="0"/>
           </a:p>
@@ -4330,7 +4330,7 @@
             <a:fld id="{B61BEF0D-F0BB-DE4B-95CE-6DB70DBA9567}" type="datetimeFigureOut">
               <a:rPr lang="en-US" dirty="0"/>
               <a:pPr/>
-              <a:t>1/6/2017</a:t>
+              <a:t>1/8/2017</a:t>
             </a:fld>
             <a:endParaRPr lang="en-US" dirty="0"/>
           </a:p>
@@ -4660,7 +4660,7 @@
             <a:fld id="{B61BEF0D-F0BB-DE4B-95CE-6DB70DBA9567}" type="datetimeFigureOut">
               <a:rPr lang="en-US" dirty="0"/>
               <a:pPr/>
-              <a:t>1/6/2017</a:t>
+              <a:t>1/8/2017</a:t>
             </a:fld>
             <a:endParaRPr lang="en-US" dirty="0"/>
           </a:p>
@@ -5002,7 +5002,7 @@
             <a:fld id="{B61BEF0D-F0BB-DE4B-95CE-6DB70DBA9567}" type="datetimeFigureOut">
               <a:rPr lang="en-US" dirty="0"/>
               <a:pPr/>
-              <a:t>1/6/2017</a:t>
+              <a:t>1/8/2017</a:t>
             </a:fld>
             <a:endParaRPr lang="en-US" dirty="0"/>
           </a:p>
@@ -7116,7 +7116,7 @@
             <a:fld id="{B61BEF0D-F0BB-DE4B-95CE-6DB70DBA9567}" type="datetimeFigureOut">
               <a:rPr lang="en-US" dirty="0"/>
               <a:pPr/>
-              <a:t>1/6/2017</a:t>
+              <a:t>1/8/2017</a:t>
             </a:fld>
             <a:endParaRPr lang="en-US" dirty="0"/>
           </a:p>
@@ -7744,6 +7744,18 @@
   <p:clrMapOvr>
     <a:masterClrMapping/>
   </p:clrMapOvr>
+  <mc:AlternateContent xmlns:mc="http://schemas.openxmlformats.org/markup-compatibility/2006">
+    <mc:Choice xmlns:p15="http://schemas.microsoft.com/office/powerpoint/2012/main" Requires="p15">
+      <p:transition xmlns:p14="http://schemas.microsoft.com/office/powerpoint/2010/main" spd="slow" p14:dur="2000">
+        <p15:prstTrans prst="drape"/>
+      </p:transition>
+    </mc:Choice>
+    <mc:Fallback>
+      <p:transition spd="slow">
+        <p:fade/>
+      </p:transition>
+    </mc:Fallback>
+  </mc:AlternateContent>
 </p:sld>
 </file>
 
@@ -7821,7 +7833,7 @@
           <a:p>
             <a:r>
               <a:rPr lang="nl-NL" dirty="0"/>
-              <a:t> Documentatie</a:t>
+              <a:t>Documentatie</a:t>
             </a:r>
           </a:p>
           <a:p>
@@ -7839,6 +7851,18 @@
   <p:clrMapOvr>
     <a:masterClrMapping/>
   </p:clrMapOvr>
+  <mc:AlternateContent xmlns:mc="http://schemas.openxmlformats.org/markup-compatibility/2006">
+    <mc:Choice xmlns:p15="http://schemas.microsoft.com/office/powerpoint/2012/main" Requires="p15">
+      <p:transition xmlns:p14="http://schemas.microsoft.com/office/powerpoint/2010/main" spd="slow" p14:dur="2000">
+        <p15:prstTrans prst="drape"/>
+      </p:transition>
+    </mc:Choice>
+    <mc:Fallback>
+      <p:transition spd="slow">
+        <p:fade/>
+      </p:transition>
+    </mc:Fallback>
+  </mc:AlternateContent>
 </p:sld>
 </file>
 
@@ -7928,6 +7952,18 @@
   <p:clrMapOvr>
     <a:masterClrMapping/>
   </p:clrMapOvr>
+  <mc:AlternateContent xmlns:mc="http://schemas.openxmlformats.org/markup-compatibility/2006">
+    <mc:Choice xmlns:p15="http://schemas.microsoft.com/office/powerpoint/2012/main" Requires="p15">
+      <p:transition xmlns:p14="http://schemas.microsoft.com/office/powerpoint/2010/main" spd="slow" p14:dur="2000">
+        <p15:prstTrans prst="drape"/>
+      </p:transition>
+    </mc:Choice>
+    <mc:Fallback>
+      <p:transition spd="slow">
+        <p:fade/>
+      </p:transition>
+    </mc:Fallback>
+  </mc:AlternateContent>
 </p:sld>
 </file>
 
@@ -7965,7 +8001,7 @@
           <a:p>
             <a:r>
               <a:rPr lang="nl-NL" dirty="0"/>
-              <a:t>Documentatie</a:t>
+              <a:t>Demonstratie</a:t>
             </a:r>
           </a:p>
         </p:txBody>
@@ -7982,25 +8018,78 @@
         </p:nvSpPr>
         <p:spPr/>
         <p:txBody>
-          <a:bodyPr/>
+          <a:bodyPr>
+            <a:normAutofit lnSpcReduction="10000"/>
+          </a:bodyPr>
           <a:lstStyle/>
           <a:p>
+            <a:pPr marL="0" indent="0">
+              <a:buNone/>
+            </a:pPr>
+            <a:r>
+              <a:rPr lang="nl-NL" b="1" dirty="0"/>
+              <a:t>USE CASE Beheerder</a:t>
+            </a:r>
+          </a:p>
+          <a:p>
             <a:r>
               <a:rPr lang="nl-NL" dirty="0"/>
-              <a:t>Bedrijfsvoering</a:t>
+              <a:t>Agenda inplannen</a:t>
             </a:r>
           </a:p>
           <a:p>
             <a:r>
               <a:rPr lang="nl-NL" dirty="0"/>
-              <a:t>Ingebouwd veiligheidsniveau</a:t>
+              <a:t>Boekingsgegevens opvragen</a:t>
             </a:r>
           </a:p>
           <a:p>
             <a:r>
               <a:rPr lang="nl-NL" dirty="0"/>
-              <a:t>Advies vervolgstappen</a:t>
-            </a:r>
+              <a:t>Status van boekingen wijzigen</a:t>
+            </a:r>
+          </a:p>
+          <a:p>
+            <a:r>
+              <a:rPr lang="nl-NL" dirty="0"/>
+              <a:t>Nieuw account aanmaken</a:t>
+            </a:r>
+          </a:p>
+          <a:p>
+            <a:r>
+              <a:rPr lang="nl-NL" dirty="0"/>
+              <a:t>Aantal beschikbare motoren instellen</a:t>
+            </a:r>
+          </a:p>
+          <a:p>
+            <a:pPr marL="0" indent="0">
+              <a:buNone/>
+            </a:pPr>
+            <a:endParaRPr lang="nl-NL" dirty="0"/>
+          </a:p>
+          <a:p>
+            <a:pPr marL="0" indent="0">
+              <a:buNone/>
+            </a:pPr>
+            <a:r>
+              <a:rPr lang="nl-NL" b="1" dirty="0"/>
+              <a:t>USE CASE Gast/klant</a:t>
+            </a:r>
+          </a:p>
+          <a:p>
+            <a:r>
+              <a:rPr lang="nl-NL" dirty="0"/>
+              <a:t>Wisselen van taal</a:t>
+            </a:r>
+          </a:p>
+          <a:p>
+            <a:r>
+              <a:rPr lang="nl-NL" dirty="0"/>
+              <a:t>Bevestigingsmail boeking</a:t>
+            </a:r>
+          </a:p>
+          <a:p>
+            <a:endParaRPr lang="nl-NL" dirty="0"/>
           </a:p>
           <a:p>
             <a:endParaRPr lang="nl-NL" dirty="0"/>
@@ -8010,13 +8099,25 @@
     </p:spTree>
     <p:extLst>
       <p:ext uri="{BB962C8B-B14F-4D97-AF65-F5344CB8AC3E}">
-        <p14:creationId xmlns:p14="http://schemas.microsoft.com/office/powerpoint/2010/main" val="2525288973"/>
+        <p14:creationId xmlns:p14="http://schemas.microsoft.com/office/powerpoint/2010/main" val="443608681"/>
       </p:ext>
     </p:extLst>
   </p:cSld>
   <p:clrMapOvr>
     <a:masterClrMapping/>
   </p:clrMapOvr>
+  <mc:AlternateContent xmlns:mc="http://schemas.openxmlformats.org/markup-compatibility/2006">
+    <mc:Choice xmlns:p15="http://schemas.microsoft.com/office/powerpoint/2012/main" Requires="p15">
+      <p:transition xmlns:p14="http://schemas.microsoft.com/office/powerpoint/2010/main" spd="slow" p14:dur="2000">
+        <p15:prstTrans prst="drape"/>
+      </p:transition>
+    </mc:Choice>
+    <mc:Fallback>
+      <p:transition spd="slow">
+        <p:fade/>
+      </p:transition>
+    </mc:Fallback>
+  </mc:AlternateContent>
 </p:sld>
 </file>
 
@@ -8054,7 +8155,7 @@
           <a:p>
             <a:r>
               <a:rPr lang="nl-NL" dirty="0"/>
-              <a:t>Demonstratie</a:t>
+              <a:t>Documentatie</a:t>
             </a:r>
           </a:p>
         </p:txBody>
@@ -8071,60 +8172,25 @@
         </p:nvSpPr>
         <p:spPr/>
         <p:txBody>
-          <a:bodyPr>
-            <a:normAutofit/>
-          </a:bodyPr>
+          <a:bodyPr/>
           <a:lstStyle/>
           <a:p>
             <a:r>
               <a:rPr lang="nl-NL" dirty="0"/>
-              <a:t>USE CASE Administrator</a:t>
+              <a:t>Bedrijfsvoering</a:t>
             </a:r>
           </a:p>
           <a:p>
             <a:r>
               <a:rPr lang="nl-NL" dirty="0"/>
-              <a:t>Agenda inplannen</a:t>
+              <a:t>Ingebouwd veiligheidsniveau</a:t>
             </a:r>
           </a:p>
           <a:p>
             <a:r>
               <a:rPr lang="nl-NL" dirty="0"/>
-              <a:t>Status van boekingen wijzigen</a:t>
-            </a:r>
-          </a:p>
-          <a:p>
-            <a:r>
-              <a:rPr lang="nl-NL" dirty="0"/>
-              <a:t>Boekingsgegevens opvragen</a:t>
-            </a:r>
-          </a:p>
-          <a:p>
-            <a:pPr marL="0" indent="0">
-              <a:buNone/>
-            </a:pPr>
-            <a:endParaRPr lang="nl-NL" dirty="0"/>
-          </a:p>
-          <a:p>
-            <a:r>
-              <a:rPr lang="nl-NL" dirty="0"/>
-              <a:t>USE CASE Gast/klant</a:t>
-            </a:r>
-          </a:p>
-          <a:p>
-            <a:r>
-              <a:rPr lang="nl-NL" dirty="0"/>
-              <a:t>Wisselen van taal</a:t>
-            </a:r>
-          </a:p>
-          <a:p>
-            <a:r>
-              <a:rPr lang="nl-NL" dirty="0"/>
-              <a:t>Bevestigingsmail boeking</a:t>
-            </a:r>
-          </a:p>
-          <a:p>
-            <a:endParaRPr lang="nl-NL" dirty="0"/>
+              <a:t>Advies vervolgstappen</a:t>
+            </a:r>
           </a:p>
           <a:p>
             <a:endParaRPr lang="nl-NL" dirty="0"/>
@@ -8134,13 +8200,25 @@
     </p:spTree>
     <p:extLst>
       <p:ext uri="{BB962C8B-B14F-4D97-AF65-F5344CB8AC3E}">
-        <p14:creationId xmlns:p14="http://schemas.microsoft.com/office/powerpoint/2010/main" val="443608681"/>
+        <p14:creationId xmlns:p14="http://schemas.microsoft.com/office/powerpoint/2010/main" val="2525288973"/>
       </p:ext>
     </p:extLst>
   </p:cSld>
   <p:clrMapOvr>
     <a:masterClrMapping/>
   </p:clrMapOvr>
+  <mc:AlternateContent xmlns:mc="http://schemas.openxmlformats.org/markup-compatibility/2006">
+    <mc:Choice xmlns:p15="http://schemas.microsoft.com/office/powerpoint/2012/main" Requires="p15">
+      <p:transition xmlns:p14="http://schemas.microsoft.com/office/powerpoint/2010/main" spd="slow" p14:dur="2000">
+        <p15:prstTrans prst="drape"/>
+      </p:transition>
+    </mc:Choice>
+    <mc:Fallback>
+      <p:transition spd="slow">
+        <p:fade/>
+      </p:transition>
+    </mc:Fallback>
+  </mc:AlternateContent>
 </p:sld>
 </file>
 
@@ -8212,6 +8290,18 @@
   <p:clrMapOvr>
     <a:masterClrMapping/>
   </p:clrMapOvr>
+  <mc:AlternateContent xmlns:mc="http://schemas.openxmlformats.org/markup-compatibility/2006">
+    <mc:Choice xmlns:p15="http://schemas.microsoft.com/office/powerpoint/2012/main" Requires="p15">
+      <p:transition xmlns:p14="http://schemas.microsoft.com/office/powerpoint/2010/main" spd="slow" p14:dur="2000">
+        <p15:prstTrans prst="drape"/>
+      </p:transition>
+    </mc:Choice>
+    <mc:Fallback>
+      <p:transition spd="slow">
+        <p:fade/>
+      </p:transition>
+    </mc:Fallback>
+  </mc:AlternateContent>
 </p:sld>
 </file>
 

--- a/Opleveren/Sprint 3 presentatie.pptx
+++ b/Opleveren/Sprint 3 presentatie.pptx
@@ -4,13 +4,20 @@
   <p:sldMasterIdLst>
     <p:sldMasterId id="2147483648" r:id="rId1"/>
   </p:sldMasterIdLst>
+  <p:notesMasterIdLst>
+    <p:notesMasterId r:id="rId12"/>
+  </p:notesMasterIdLst>
   <p:sldIdLst>
     <p:sldId id="256" r:id="rId2"/>
     <p:sldId id="257" r:id="rId3"/>
     <p:sldId id="258" r:id="rId4"/>
     <p:sldId id="260" r:id="rId5"/>
     <p:sldId id="262" r:id="rId6"/>
-    <p:sldId id="261" r:id="rId7"/>
+    <p:sldId id="263" r:id="rId7"/>
+    <p:sldId id="265" r:id="rId8"/>
+    <p:sldId id="266" r:id="rId9"/>
+    <p:sldId id="264" r:id="rId10"/>
+    <p:sldId id="261" r:id="rId11"/>
   </p:sldIdLst>
   <p:sldSz cx="12192000" cy="6858000"/>
   <p:notesSz cx="6858000" cy="9144000"/>
@@ -115,6 +122,599 @@
     </p:ext>
   </p:extLst>
 </p:presentation>
+</file>
+
+<file path=ppt/notesMasters/notesMaster1.xml><?xml version="1.0" encoding="utf-8"?>
+<p:notesMaster xmlns:a="http://schemas.openxmlformats.org/drawingml/2006/main" xmlns:r="http://schemas.openxmlformats.org/officeDocument/2006/relationships" xmlns:p="http://schemas.openxmlformats.org/presentationml/2006/main">
+  <p:cSld>
+    <p:bg>
+      <p:bgRef idx="1001">
+        <a:schemeClr val="bg1"/>
+      </p:bgRef>
+    </p:bg>
+    <p:spTree>
+      <p:nvGrpSpPr>
+        <p:cNvPr id="1" name=""/>
+        <p:cNvGrpSpPr/>
+        <p:nvPr/>
+      </p:nvGrpSpPr>
+      <p:grpSpPr>
+        <a:xfrm>
+          <a:off x="0" y="0"/>
+          <a:ext cx="0" cy="0"/>
+          <a:chOff x="0" y="0"/>
+          <a:chExt cx="0" cy="0"/>
+        </a:xfrm>
+      </p:grpSpPr>
+      <p:sp>
+        <p:nvSpPr>
+          <p:cNvPr id="2" name="Header Placeholder 1"/>
+          <p:cNvSpPr>
+            <a:spLocks noGrp="1"/>
+          </p:cNvSpPr>
+          <p:nvPr>
+            <p:ph type="hdr" sz="quarter"/>
+          </p:nvPr>
+        </p:nvSpPr>
+        <p:spPr>
+          <a:xfrm>
+            <a:off x="0" y="0"/>
+            <a:ext cx="2971800" cy="458788"/>
+          </a:xfrm>
+          <a:prstGeom prst="rect">
+            <a:avLst/>
+          </a:prstGeom>
+        </p:spPr>
+        <p:txBody>
+          <a:bodyPr vert="horz" lIns="91440" tIns="45720" rIns="91440" bIns="45720" rtlCol="0"/>
+          <a:lstStyle>
+            <a:lvl1pPr algn="l">
+              <a:defRPr sz="1200"/>
+            </a:lvl1pPr>
+          </a:lstStyle>
+          <a:p>
+            <a:endParaRPr lang="nl-NL"/>
+          </a:p>
+        </p:txBody>
+      </p:sp>
+      <p:sp>
+        <p:nvSpPr>
+          <p:cNvPr id="3" name="Date Placeholder 2"/>
+          <p:cNvSpPr>
+            <a:spLocks noGrp="1"/>
+          </p:cNvSpPr>
+          <p:nvPr>
+            <p:ph type="dt" idx="1"/>
+          </p:nvPr>
+        </p:nvSpPr>
+        <p:spPr>
+          <a:xfrm>
+            <a:off x="3884613" y="0"/>
+            <a:ext cx="2971800" cy="458788"/>
+          </a:xfrm>
+          <a:prstGeom prst="rect">
+            <a:avLst/>
+          </a:prstGeom>
+        </p:spPr>
+        <p:txBody>
+          <a:bodyPr vert="horz" lIns="91440" tIns="45720" rIns="91440" bIns="45720" rtlCol="0"/>
+          <a:lstStyle>
+            <a:lvl1pPr algn="r">
+              <a:defRPr sz="1200"/>
+            </a:lvl1pPr>
+          </a:lstStyle>
+          <a:p>
+            <a:fld id="{DC8E84A3-975E-4483-B3B3-5D1EEDAC867B}" type="datetimeFigureOut">
+              <a:rPr lang="nl-NL" smtClean="0"/>
+              <a:t>8-1-2017</a:t>
+            </a:fld>
+            <a:endParaRPr lang="nl-NL"/>
+          </a:p>
+        </p:txBody>
+      </p:sp>
+      <p:sp>
+        <p:nvSpPr>
+          <p:cNvPr id="4" name="Slide Image Placeholder 3"/>
+          <p:cNvSpPr>
+            <a:spLocks noGrp="1" noRot="1" noChangeAspect="1"/>
+          </p:cNvSpPr>
+          <p:nvPr>
+            <p:ph type="sldImg" idx="2"/>
+          </p:nvPr>
+        </p:nvSpPr>
+        <p:spPr>
+          <a:xfrm>
+            <a:off x="685800" y="1143000"/>
+            <a:ext cx="5486400" cy="3086100"/>
+          </a:xfrm>
+          <a:prstGeom prst="rect">
+            <a:avLst/>
+          </a:prstGeom>
+          <a:noFill/>
+          <a:ln w="12700">
+            <a:solidFill>
+              <a:prstClr val="black"/>
+            </a:solidFill>
+          </a:ln>
+        </p:spPr>
+        <p:txBody>
+          <a:bodyPr vert="horz" lIns="91440" tIns="45720" rIns="91440" bIns="45720" rtlCol="0" anchor="ctr"/>
+          <a:lstStyle/>
+          <a:p>
+            <a:endParaRPr lang="nl-NL"/>
+          </a:p>
+        </p:txBody>
+      </p:sp>
+      <p:sp>
+        <p:nvSpPr>
+          <p:cNvPr id="5" name="Notes Placeholder 4"/>
+          <p:cNvSpPr>
+            <a:spLocks noGrp="1"/>
+          </p:cNvSpPr>
+          <p:nvPr>
+            <p:ph type="body" sz="quarter" idx="3"/>
+          </p:nvPr>
+        </p:nvSpPr>
+        <p:spPr>
+          <a:xfrm>
+            <a:off x="685800" y="4400550"/>
+            <a:ext cx="5486400" cy="3600450"/>
+          </a:xfrm>
+          <a:prstGeom prst="rect">
+            <a:avLst/>
+          </a:prstGeom>
+        </p:spPr>
+        <p:txBody>
+          <a:bodyPr vert="horz" lIns="91440" tIns="45720" rIns="91440" bIns="45720" rtlCol="0"/>
+          <a:lstStyle/>
+          <a:p>
+            <a:pPr lvl="0"/>
+            <a:r>
+              <a:rPr lang="en-US"/>
+              <a:t>Edit Master text styles</a:t>
+            </a:r>
+          </a:p>
+          <a:p>
+            <a:pPr lvl="1"/>
+            <a:r>
+              <a:rPr lang="en-US"/>
+              <a:t>Second level</a:t>
+            </a:r>
+          </a:p>
+          <a:p>
+            <a:pPr lvl="2"/>
+            <a:r>
+              <a:rPr lang="en-US"/>
+              <a:t>Third level</a:t>
+            </a:r>
+          </a:p>
+          <a:p>
+            <a:pPr lvl="3"/>
+            <a:r>
+              <a:rPr lang="en-US"/>
+              <a:t>Fourth level</a:t>
+            </a:r>
+          </a:p>
+          <a:p>
+            <a:pPr lvl="4"/>
+            <a:r>
+              <a:rPr lang="en-US"/>
+              <a:t>Fifth level</a:t>
+            </a:r>
+            <a:endParaRPr lang="nl-NL"/>
+          </a:p>
+        </p:txBody>
+      </p:sp>
+      <p:sp>
+        <p:nvSpPr>
+          <p:cNvPr id="6" name="Footer Placeholder 5"/>
+          <p:cNvSpPr>
+            <a:spLocks noGrp="1"/>
+          </p:cNvSpPr>
+          <p:nvPr>
+            <p:ph type="ftr" sz="quarter" idx="4"/>
+          </p:nvPr>
+        </p:nvSpPr>
+        <p:spPr>
+          <a:xfrm>
+            <a:off x="0" y="8685213"/>
+            <a:ext cx="2971800" cy="458787"/>
+          </a:xfrm>
+          <a:prstGeom prst="rect">
+            <a:avLst/>
+          </a:prstGeom>
+        </p:spPr>
+        <p:txBody>
+          <a:bodyPr vert="horz" lIns="91440" tIns="45720" rIns="91440" bIns="45720" rtlCol="0" anchor="b"/>
+          <a:lstStyle>
+            <a:lvl1pPr algn="l">
+              <a:defRPr sz="1200"/>
+            </a:lvl1pPr>
+          </a:lstStyle>
+          <a:p>
+            <a:endParaRPr lang="nl-NL"/>
+          </a:p>
+        </p:txBody>
+      </p:sp>
+      <p:sp>
+        <p:nvSpPr>
+          <p:cNvPr id="7" name="Slide Number Placeholder 6"/>
+          <p:cNvSpPr>
+            <a:spLocks noGrp="1"/>
+          </p:cNvSpPr>
+          <p:nvPr>
+            <p:ph type="sldNum" sz="quarter" idx="5"/>
+          </p:nvPr>
+        </p:nvSpPr>
+        <p:spPr>
+          <a:xfrm>
+            <a:off x="3884613" y="8685213"/>
+            <a:ext cx="2971800" cy="458787"/>
+          </a:xfrm>
+          <a:prstGeom prst="rect">
+            <a:avLst/>
+          </a:prstGeom>
+        </p:spPr>
+        <p:txBody>
+          <a:bodyPr vert="horz" lIns="91440" tIns="45720" rIns="91440" bIns="45720" rtlCol="0" anchor="b"/>
+          <a:lstStyle>
+            <a:lvl1pPr algn="r">
+              <a:defRPr sz="1200"/>
+            </a:lvl1pPr>
+          </a:lstStyle>
+          <a:p>
+            <a:fld id="{F5B9E7B1-52E1-4402-8CAA-D937FFCC1AEA}" type="slidenum">
+              <a:rPr lang="nl-NL" smtClean="0"/>
+              <a:t>‹#›</a:t>
+            </a:fld>
+            <a:endParaRPr lang="nl-NL"/>
+          </a:p>
+        </p:txBody>
+      </p:sp>
+    </p:spTree>
+    <p:extLst>
+      <p:ext uri="{BB962C8B-B14F-4D97-AF65-F5344CB8AC3E}">
+        <p14:creationId xmlns:p14="http://schemas.microsoft.com/office/powerpoint/2010/main" val="653966311"/>
+      </p:ext>
+    </p:extLst>
+  </p:cSld>
+  <p:clrMap bg1="lt1" tx1="dk1" bg2="lt2" tx2="dk2" accent1="accent1" accent2="accent2" accent3="accent3" accent4="accent4" accent5="accent5" accent6="accent6" hlink="hlink" folHlink="folHlink"/>
+  <p:notesStyle>
+    <a:lvl1pPr marL="0" algn="l" defTabSz="914400" rtl="0" eaLnBrk="1" latinLnBrk="0" hangingPunct="1">
+      <a:defRPr sz="1200" kern="1200">
+        <a:solidFill>
+          <a:schemeClr val="tx1"/>
+        </a:solidFill>
+        <a:latin typeface="+mn-lt"/>
+        <a:ea typeface="+mn-ea"/>
+        <a:cs typeface="+mn-cs"/>
+      </a:defRPr>
+    </a:lvl1pPr>
+    <a:lvl2pPr marL="457200" algn="l" defTabSz="914400" rtl="0" eaLnBrk="1" latinLnBrk="0" hangingPunct="1">
+      <a:defRPr sz="1200" kern="1200">
+        <a:solidFill>
+          <a:schemeClr val="tx1"/>
+        </a:solidFill>
+        <a:latin typeface="+mn-lt"/>
+        <a:ea typeface="+mn-ea"/>
+        <a:cs typeface="+mn-cs"/>
+      </a:defRPr>
+    </a:lvl2pPr>
+    <a:lvl3pPr marL="914400" algn="l" defTabSz="914400" rtl="0" eaLnBrk="1" latinLnBrk="0" hangingPunct="1">
+      <a:defRPr sz="1200" kern="1200">
+        <a:solidFill>
+          <a:schemeClr val="tx1"/>
+        </a:solidFill>
+        <a:latin typeface="+mn-lt"/>
+        <a:ea typeface="+mn-ea"/>
+        <a:cs typeface="+mn-cs"/>
+      </a:defRPr>
+    </a:lvl3pPr>
+    <a:lvl4pPr marL="1371600" algn="l" defTabSz="914400" rtl="0" eaLnBrk="1" latinLnBrk="0" hangingPunct="1">
+      <a:defRPr sz="1200" kern="1200">
+        <a:solidFill>
+          <a:schemeClr val="tx1"/>
+        </a:solidFill>
+        <a:latin typeface="+mn-lt"/>
+        <a:ea typeface="+mn-ea"/>
+        <a:cs typeface="+mn-cs"/>
+      </a:defRPr>
+    </a:lvl4pPr>
+    <a:lvl5pPr marL="1828800" algn="l" defTabSz="914400" rtl="0" eaLnBrk="1" latinLnBrk="0" hangingPunct="1">
+      <a:defRPr sz="1200" kern="1200">
+        <a:solidFill>
+          <a:schemeClr val="tx1"/>
+        </a:solidFill>
+        <a:latin typeface="+mn-lt"/>
+        <a:ea typeface="+mn-ea"/>
+        <a:cs typeface="+mn-cs"/>
+      </a:defRPr>
+    </a:lvl5pPr>
+    <a:lvl6pPr marL="2286000" algn="l" defTabSz="914400" rtl="0" eaLnBrk="1" latinLnBrk="0" hangingPunct="1">
+      <a:defRPr sz="1200" kern="1200">
+        <a:solidFill>
+          <a:schemeClr val="tx1"/>
+        </a:solidFill>
+        <a:latin typeface="+mn-lt"/>
+        <a:ea typeface="+mn-ea"/>
+        <a:cs typeface="+mn-cs"/>
+      </a:defRPr>
+    </a:lvl6pPr>
+    <a:lvl7pPr marL="2743200" algn="l" defTabSz="914400" rtl="0" eaLnBrk="1" latinLnBrk="0" hangingPunct="1">
+      <a:defRPr sz="1200" kern="1200">
+        <a:solidFill>
+          <a:schemeClr val="tx1"/>
+        </a:solidFill>
+        <a:latin typeface="+mn-lt"/>
+        <a:ea typeface="+mn-ea"/>
+        <a:cs typeface="+mn-cs"/>
+      </a:defRPr>
+    </a:lvl7pPr>
+    <a:lvl8pPr marL="3200400" algn="l" defTabSz="914400" rtl="0" eaLnBrk="1" latinLnBrk="0" hangingPunct="1">
+      <a:defRPr sz="1200" kern="1200">
+        <a:solidFill>
+          <a:schemeClr val="tx1"/>
+        </a:solidFill>
+        <a:latin typeface="+mn-lt"/>
+        <a:ea typeface="+mn-ea"/>
+        <a:cs typeface="+mn-cs"/>
+      </a:defRPr>
+    </a:lvl8pPr>
+    <a:lvl9pPr marL="3657600" algn="l" defTabSz="914400" rtl="0" eaLnBrk="1" latinLnBrk="0" hangingPunct="1">
+      <a:defRPr sz="1200" kern="1200">
+        <a:solidFill>
+          <a:schemeClr val="tx1"/>
+        </a:solidFill>
+        <a:latin typeface="+mn-lt"/>
+        <a:ea typeface="+mn-ea"/>
+        <a:cs typeface="+mn-cs"/>
+      </a:defRPr>
+    </a:lvl9pPr>
+  </p:notesStyle>
+</p:notesMaster>
+</file>
+
+<file path=ppt/notesSlides/notesSlide1.xml><?xml version="1.0" encoding="utf-8"?>
+<p:notes xmlns:a="http://schemas.openxmlformats.org/drawingml/2006/main" xmlns:r="http://schemas.openxmlformats.org/officeDocument/2006/relationships" xmlns:p="http://schemas.openxmlformats.org/presentationml/2006/main">
+  <p:cSld>
+    <p:spTree>
+      <p:nvGrpSpPr>
+        <p:cNvPr id="1" name=""/>
+        <p:cNvGrpSpPr/>
+        <p:nvPr/>
+      </p:nvGrpSpPr>
+      <p:grpSpPr>
+        <a:xfrm>
+          <a:off x="0" y="0"/>
+          <a:ext cx="0" cy="0"/>
+          <a:chOff x="0" y="0"/>
+          <a:chExt cx="0" cy="0"/>
+        </a:xfrm>
+      </p:grpSpPr>
+      <p:sp>
+        <p:nvSpPr>
+          <p:cNvPr id="2" name="Slide Image Placeholder 1"/>
+          <p:cNvSpPr>
+            <a:spLocks noGrp="1" noRot="1" noChangeAspect="1"/>
+          </p:cNvSpPr>
+          <p:nvPr>
+            <p:ph type="sldImg"/>
+          </p:nvPr>
+        </p:nvSpPr>
+        <p:spPr/>
+      </p:sp>
+      <p:sp>
+        <p:nvSpPr>
+          <p:cNvPr id="3" name="Notes Placeholder 2"/>
+          <p:cNvSpPr>
+            <a:spLocks noGrp="1"/>
+          </p:cNvSpPr>
+          <p:nvPr>
+            <p:ph type="body" idx="1"/>
+          </p:nvPr>
+        </p:nvSpPr>
+        <p:spPr/>
+        <p:txBody>
+          <a:bodyPr/>
+          <a:lstStyle/>
+          <a:p>
+            <a:endParaRPr lang="nl-NL" dirty="0"/>
+          </a:p>
+        </p:txBody>
+      </p:sp>
+      <p:sp>
+        <p:nvSpPr>
+          <p:cNvPr id="4" name="Slide Number Placeholder 3"/>
+          <p:cNvSpPr>
+            <a:spLocks noGrp="1"/>
+          </p:cNvSpPr>
+          <p:nvPr>
+            <p:ph type="sldNum" sz="quarter" idx="10"/>
+          </p:nvPr>
+        </p:nvSpPr>
+        <p:spPr/>
+        <p:txBody>
+          <a:bodyPr/>
+          <a:lstStyle/>
+          <a:p>
+            <a:fld id="{F5B9E7B1-52E1-4402-8CAA-D937FFCC1AEA}" type="slidenum">
+              <a:rPr lang="nl-NL" smtClean="0"/>
+              <a:t>5</a:t>
+            </a:fld>
+            <a:endParaRPr lang="nl-NL"/>
+          </a:p>
+        </p:txBody>
+      </p:sp>
+    </p:spTree>
+    <p:extLst>
+      <p:ext uri="{BB962C8B-B14F-4D97-AF65-F5344CB8AC3E}">
+        <p14:creationId xmlns:p14="http://schemas.microsoft.com/office/powerpoint/2010/main" val="927333273"/>
+      </p:ext>
+    </p:extLst>
+  </p:cSld>
+  <p:clrMapOvr>
+    <a:masterClrMapping/>
+  </p:clrMapOvr>
+</p:notes>
+</file>
+
+<file path=ppt/notesSlides/notesSlide2.xml><?xml version="1.0" encoding="utf-8"?>
+<p:notes xmlns:a="http://schemas.openxmlformats.org/drawingml/2006/main" xmlns:r="http://schemas.openxmlformats.org/officeDocument/2006/relationships" xmlns:p="http://schemas.openxmlformats.org/presentationml/2006/main">
+  <p:cSld>
+    <p:spTree>
+      <p:nvGrpSpPr>
+        <p:cNvPr id="1" name=""/>
+        <p:cNvGrpSpPr/>
+        <p:nvPr/>
+      </p:nvGrpSpPr>
+      <p:grpSpPr>
+        <a:xfrm>
+          <a:off x="0" y="0"/>
+          <a:ext cx="0" cy="0"/>
+          <a:chOff x="0" y="0"/>
+          <a:chExt cx="0" cy="0"/>
+        </a:xfrm>
+      </p:grpSpPr>
+      <p:sp>
+        <p:nvSpPr>
+          <p:cNvPr id="2" name="Slide Image Placeholder 1"/>
+          <p:cNvSpPr>
+            <a:spLocks noGrp="1" noRot="1" noChangeAspect="1"/>
+          </p:cNvSpPr>
+          <p:nvPr>
+            <p:ph type="sldImg"/>
+          </p:nvPr>
+        </p:nvSpPr>
+        <p:spPr/>
+      </p:sp>
+      <p:sp>
+        <p:nvSpPr>
+          <p:cNvPr id="3" name="Notes Placeholder 2"/>
+          <p:cNvSpPr>
+            <a:spLocks noGrp="1"/>
+          </p:cNvSpPr>
+          <p:nvPr>
+            <p:ph type="body" idx="1"/>
+          </p:nvPr>
+        </p:nvSpPr>
+        <p:spPr/>
+        <p:txBody>
+          <a:bodyPr/>
+          <a:lstStyle/>
+          <a:p>
+            <a:r>
+              <a:rPr lang="nl-NL" dirty="0"/>
+              <a:t>Welk primair proces? </a:t>
+            </a:r>
+          </a:p>
+          <a:p>
+            <a:endParaRPr lang="nl-NL" sz="1200" b="0" i="0" u="none" strike="noStrike" kern="1200" baseline="0" dirty="0">
+              <a:solidFill>
+                <a:schemeClr val="tx1"/>
+              </a:solidFill>
+              <a:latin typeface="+mn-lt"/>
+              <a:ea typeface="+mn-ea"/>
+              <a:cs typeface="+mn-cs"/>
+            </a:endParaRPr>
+          </a:p>
+          <a:p>
+            <a:r>
+              <a:rPr lang="nl-NL" sz="1200" b="0" i="0" u="none" strike="noStrike" kern="1200" baseline="0" dirty="0">
+                <a:solidFill>
+                  <a:schemeClr val="tx1"/>
+                </a:solidFill>
+                <a:latin typeface="+mn-lt"/>
+                <a:ea typeface="+mn-ea"/>
+                <a:cs typeface="+mn-cs"/>
+              </a:rPr>
+              <a:t>Wat zijn de voor jullie opdracht relevante ondersteunende processen? </a:t>
+            </a:r>
+          </a:p>
+          <a:p>
+            <a:endParaRPr lang="nl-NL" sz="1200" b="0" i="0" u="none" strike="noStrike" kern="1200" baseline="0" dirty="0">
+              <a:solidFill>
+                <a:schemeClr val="tx1"/>
+              </a:solidFill>
+              <a:latin typeface="+mn-lt"/>
+              <a:ea typeface="+mn-ea"/>
+              <a:cs typeface="+mn-cs"/>
+            </a:endParaRPr>
+          </a:p>
+          <a:p>
+            <a:r>
+              <a:rPr lang="nl-NL" sz="1200" b="0" i="0" u="none" strike="noStrike" kern="1200" baseline="0" dirty="0">
+                <a:solidFill>
+                  <a:schemeClr val="tx1"/>
+                </a:solidFill>
+                <a:latin typeface="+mn-lt"/>
+                <a:ea typeface="+mn-ea"/>
+                <a:cs typeface="+mn-cs"/>
+              </a:rPr>
+              <a:t>Wat zijn de voor jullie opdracht relevante bestuurlijke processen? </a:t>
+            </a:r>
+          </a:p>
+          <a:p>
+            <a:endParaRPr lang="nl-NL" sz="1200" b="0" i="0" u="none" strike="noStrike" kern="1200" baseline="0" dirty="0">
+              <a:solidFill>
+                <a:schemeClr val="tx1"/>
+              </a:solidFill>
+              <a:latin typeface="+mn-lt"/>
+              <a:ea typeface="+mn-ea"/>
+              <a:cs typeface="+mn-cs"/>
+            </a:endParaRPr>
+          </a:p>
+          <a:p>
+            <a:r>
+              <a:rPr lang="nl-NL" sz="1200" b="0" i="0" u="none" strike="noStrike" kern="1200" baseline="0" dirty="0">
+                <a:solidFill>
+                  <a:schemeClr val="tx1"/>
+                </a:solidFill>
+                <a:latin typeface="+mn-lt"/>
+                <a:ea typeface="+mn-ea"/>
+                <a:cs typeface="+mn-cs"/>
+              </a:rPr>
+              <a:t>Vertellen welke processen de website uitvoert, en of deze primair, ondersteunend of bestuurlijk zijn)</a:t>
+            </a:r>
+          </a:p>
+          <a:p>
+            <a:endParaRPr lang="nl-NL" dirty="0"/>
+          </a:p>
+        </p:txBody>
+      </p:sp>
+      <p:sp>
+        <p:nvSpPr>
+          <p:cNvPr id="4" name="Slide Number Placeholder 3"/>
+          <p:cNvSpPr>
+            <a:spLocks noGrp="1"/>
+          </p:cNvSpPr>
+          <p:nvPr>
+            <p:ph type="sldNum" sz="quarter" idx="10"/>
+          </p:nvPr>
+        </p:nvSpPr>
+        <p:spPr/>
+        <p:txBody>
+          <a:bodyPr/>
+          <a:lstStyle/>
+          <a:p>
+            <a:fld id="{F5B9E7B1-52E1-4402-8CAA-D937FFCC1AEA}" type="slidenum">
+              <a:rPr lang="nl-NL" smtClean="0"/>
+              <a:t>6</a:t>
+            </a:fld>
+            <a:endParaRPr lang="nl-NL"/>
+          </a:p>
+        </p:txBody>
+      </p:sp>
+    </p:spTree>
+    <p:extLst>
+      <p:ext uri="{BB962C8B-B14F-4D97-AF65-F5344CB8AC3E}">
+        <p14:creationId xmlns:p14="http://schemas.microsoft.com/office/powerpoint/2010/main" val="538107863"/>
+      </p:ext>
+    </p:extLst>
+  </p:cSld>
+  <p:clrMapOvr>
+    <a:masterClrMapping/>
+  </p:clrMapOvr>
+</p:notes>
 </file>
 
 <file path=ppt/slideLayouts/slideLayout1.xml><?xml version="1.0" encoding="utf-8"?>
@@ -7759,6 +8359,89 @@
 </p:sld>
 </file>
 
+<file path=ppt/slides/slide10.xml><?xml version="1.0" encoding="utf-8"?>
+<p:sld xmlns:a="http://schemas.openxmlformats.org/drawingml/2006/main" xmlns:r="http://schemas.openxmlformats.org/officeDocument/2006/relationships" xmlns:p="http://schemas.openxmlformats.org/presentationml/2006/main">
+  <p:cSld>
+    <p:spTree>
+      <p:nvGrpSpPr>
+        <p:cNvPr id="1" name=""/>
+        <p:cNvGrpSpPr/>
+        <p:nvPr/>
+      </p:nvGrpSpPr>
+      <p:grpSpPr>
+        <a:xfrm>
+          <a:off x="0" y="0"/>
+          <a:ext cx="0" cy="0"/>
+          <a:chOff x="0" y="0"/>
+          <a:chExt cx="0" cy="0"/>
+        </a:xfrm>
+      </p:grpSpPr>
+      <p:sp>
+        <p:nvSpPr>
+          <p:cNvPr id="2" name="Title 1"/>
+          <p:cNvSpPr>
+            <a:spLocks noGrp="1"/>
+          </p:cNvSpPr>
+          <p:nvPr>
+            <p:ph type="title"/>
+          </p:nvPr>
+        </p:nvSpPr>
+        <p:spPr/>
+        <p:txBody>
+          <a:bodyPr/>
+          <a:lstStyle/>
+          <a:p>
+            <a:r>
+              <a:rPr lang="nl-NL" dirty="0"/>
+              <a:t>Vragen?</a:t>
+            </a:r>
+          </a:p>
+        </p:txBody>
+      </p:sp>
+      <p:sp>
+        <p:nvSpPr>
+          <p:cNvPr id="3" name="Content Placeholder 2"/>
+          <p:cNvSpPr>
+            <a:spLocks noGrp="1"/>
+          </p:cNvSpPr>
+          <p:nvPr>
+            <p:ph idx="1"/>
+          </p:nvPr>
+        </p:nvSpPr>
+        <p:spPr/>
+        <p:txBody>
+          <a:bodyPr/>
+          <a:lstStyle/>
+          <a:p>
+            <a:endParaRPr lang="nl-NL"/>
+          </a:p>
+        </p:txBody>
+      </p:sp>
+    </p:spTree>
+    <p:extLst>
+      <p:ext uri="{BB962C8B-B14F-4D97-AF65-F5344CB8AC3E}">
+        <p14:creationId xmlns:p14="http://schemas.microsoft.com/office/powerpoint/2010/main" val="911142797"/>
+      </p:ext>
+    </p:extLst>
+  </p:cSld>
+  <p:clrMapOvr>
+    <a:masterClrMapping/>
+  </p:clrMapOvr>
+  <mc:AlternateContent xmlns:mc="http://schemas.openxmlformats.org/markup-compatibility/2006">
+    <mc:Choice xmlns:p15="http://schemas.microsoft.com/office/powerpoint/2012/main" Requires="p15">
+      <p:transition xmlns:p14="http://schemas.microsoft.com/office/powerpoint/2010/main" spd="slow" p14:dur="2000">
+        <p15:prstTrans prst="drape"/>
+      </p:transition>
+    </mc:Choice>
+    <mc:Fallback>
+      <p:transition spd="slow">
+        <p:fade/>
+      </p:transition>
+    </mc:Fallback>
+  </mc:AlternateContent>
+</p:sld>
+</file>
+
 <file path=ppt/slides/slide2.xml><?xml version="1.0" encoding="utf-8"?>
 <p:sld xmlns:a="http://schemas.openxmlformats.org/drawingml/2006/main" xmlns:r="http://schemas.openxmlformats.org/officeDocument/2006/relationships" xmlns:p="http://schemas.openxmlformats.org/presentationml/2006/main">
   <p:cSld>
@@ -8177,19 +8860,30 @@
           <a:p>
             <a:r>
               <a:rPr lang="nl-NL" dirty="0"/>
-              <a:t>Bedrijfsvoering</a:t>
+              <a:t>Bedrijfsvoering								Bedrijfskundig</a:t>
             </a:r>
           </a:p>
           <a:p>
             <a:r>
               <a:rPr lang="nl-NL" dirty="0"/>
-              <a:t>Ingebouwd veiligheidsniveau</a:t>
-            </a:r>
+              <a:t>Advies ICT-ondersteuning bedrijfsvoering	</a:t>
+            </a:r>
+            <a:r>
+              <a:rPr lang="nl-NL"/>
+              <a:t>	Bedrijfskundig</a:t>
+            </a:r>
+            <a:endParaRPr lang="nl-NL" dirty="0"/>
           </a:p>
           <a:p>
             <a:r>
               <a:rPr lang="nl-NL" dirty="0"/>
-              <a:t>Advies vervolgstappen</a:t>
+              <a:t>Ingebouwd veiligheidsniveau					Security</a:t>
+            </a:r>
+          </a:p>
+          <a:p>
+            <a:r>
+              <a:rPr lang="nl-NL" dirty="0"/>
+              <a:t>Advies vervolgstappen						Security</a:t>
             </a:r>
           </a:p>
           <a:p>
@@ -8239,9 +8933,111 @@
           <a:chExt cx="0" cy="0"/>
         </a:xfrm>
       </p:grpSpPr>
-      <p:sp>
-        <p:nvSpPr>
-          <p:cNvPr id="2" name="Title 1"/>
+      <p:pic>
+        <p:nvPicPr>
+          <p:cNvPr id="1026" name="Picture 2" descr="https://lh3.googleusercontent.com/aEX_nZfUtolIilG-rcjS-p9RDy1xivDsygjOBzr6pomYZu-H1-09bYHb7ZP12RjyMcobckZtzZ7TxRtr6T60uKr8r3rBZoBHiVvVvz_O_a84KpqXVuXgqTClAISQtShAAwMTgsTl"/>
+          <p:cNvPicPr>
+            <a:picLocks noGrp="1" noChangeAspect="1" noChangeArrowheads="1"/>
+          </p:cNvPicPr>
+          <p:nvPr>
+            <p:ph idx="1"/>
+          </p:nvPr>
+        </p:nvPicPr>
+        <p:blipFill>
+          <a:blip r:embed="rId3">
+            <a:extLst>
+              <a:ext uri="{28A0092B-C50C-407E-A947-70E740481C1C}">
+                <a14:useLocalDpi xmlns:a14="http://schemas.microsoft.com/office/drawing/2010/main" val="0"/>
+              </a:ext>
+            </a:extLst>
+          </a:blip>
+          <a:srcRect/>
+          <a:stretch>
+            <a:fillRect/>
+          </a:stretch>
+        </p:blipFill>
+        <p:spPr bwMode="auto">
+          <a:xfrm>
+            <a:off x="718457" y="1784494"/>
+            <a:ext cx="4796760" cy="4783172"/>
+          </a:xfrm>
+          <a:prstGeom prst="rect">
+            <a:avLst/>
+          </a:prstGeom>
+          <a:ln>
+            <a:noFill/>
+          </a:ln>
+          <a:effectLst>
+            <a:outerShdw blurRad="292100" dist="139700" dir="2700000" algn="tl" rotWithShape="0">
+              <a:srgbClr val="333333">
+                <a:alpha val="65000"/>
+              </a:srgbClr>
+            </a:outerShdw>
+          </a:effectLst>
+          <a:extLst>
+            <a:ext uri="{909E8E84-426E-40DD-AFC4-6F175D3DCCD1}">
+              <a14:hiddenFill xmlns:a14="http://schemas.microsoft.com/office/drawing/2010/main">
+                <a:solidFill>
+                  <a:srgbClr val="FFFFFF"/>
+                </a:solidFill>
+              </a14:hiddenFill>
+            </a:ext>
+          </a:extLst>
+        </p:spPr>
+      </p:pic>
+      <p:pic>
+        <p:nvPicPr>
+          <p:cNvPr id="1028" name="Picture 4" descr="https://lh5.googleusercontent.com/8Jn4sulQw_KsWSNpgFbbGHqLSQ3Z3fWzUVJyqgb_yOhOZqgSXkJa_3WXdYm5YmFKdMRj0Kynqcu8yWJStSh_r4eG6FeFexb159L9y2X-LmM9hla1Hdv2krzAHpOIdPnRQClCG1lf"/>
+          <p:cNvPicPr>
+            <a:picLocks noChangeAspect="1" noChangeArrowheads="1"/>
+          </p:cNvPicPr>
+          <p:nvPr/>
+        </p:nvPicPr>
+        <p:blipFill>
+          <a:blip r:embed="rId4">
+            <a:extLst>
+              <a:ext uri="{28A0092B-C50C-407E-A947-70E740481C1C}">
+                <a14:useLocalDpi xmlns:a14="http://schemas.microsoft.com/office/drawing/2010/main" val="0"/>
+              </a:ext>
+            </a:extLst>
+          </a:blip>
+          <a:srcRect/>
+          <a:stretch>
+            <a:fillRect/>
+          </a:stretch>
+        </p:blipFill>
+        <p:spPr bwMode="auto">
+          <a:xfrm>
+            <a:off x="6359875" y="914400"/>
+            <a:ext cx="5056859" cy="5653266"/>
+          </a:xfrm>
+          <a:prstGeom prst="rect">
+            <a:avLst/>
+          </a:prstGeom>
+          <a:ln>
+            <a:noFill/>
+          </a:ln>
+          <a:effectLst>
+            <a:outerShdw blurRad="292100" dist="139700" dir="2700000" algn="tl" rotWithShape="0">
+              <a:srgbClr val="333333">
+                <a:alpha val="65000"/>
+              </a:srgbClr>
+            </a:outerShdw>
+          </a:effectLst>
+          <a:extLst>
+            <a:ext uri="{909E8E84-426E-40DD-AFC4-6F175D3DCCD1}">
+              <a14:hiddenFill xmlns:a14="http://schemas.microsoft.com/office/drawing/2010/main">
+                <a:solidFill>
+                  <a:srgbClr val="FFFFFF"/>
+                </a:solidFill>
+              </a14:hiddenFill>
+            </a:ext>
+          </a:extLst>
+        </p:spPr>
+      </p:pic>
+      <p:sp>
+        <p:nvSpPr>
+          <p:cNvPr id="6" name="Title 1"/>
           <p:cNvSpPr>
             <a:spLocks noGrp="1"/>
           </p:cNvSpPr>
@@ -8249,41 +9045,361 @@
             <p:ph type="title"/>
           </p:nvPr>
         </p:nvSpPr>
-        <p:spPr/>
+        <p:spPr>
+          <a:xfrm>
+            <a:off x="1563115" y="677376"/>
+            <a:ext cx="8911687" cy="1280890"/>
+          </a:xfrm>
+        </p:spPr>
         <p:txBody>
           <a:bodyPr/>
           <a:lstStyle/>
           <a:p>
             <a:r>
               <a:rPr lang="nl-NL" dirty="0"/>
-              <a:t>Vragen?</a:t>
-            </a:r>
-          </a:p>
-        </p:txBody>
-      </p:sp>
-      <p:sp>
-        <p:nvSpPr>
-          <p:cNvPr id="3" name="Content Placeholder 2"/>
-          <p:cNvSpPr>
-            <a:spLocks noGrp="1"/>
-          </p:cNvSpPr>
-          <p:nvPr>
-            <p:ph idx="1"/>
-          </p:nvPr>
-        </p:nvSpPr>
-        <p:spPr/>
-        <p:txBody>
-          <a:bodyPr/>
-          <a:lstStyle/>
-          <a:p>
-            <a:endParaRPr lang="nl-NL"/>
+              <a:t>Bedrijfsvoering</a:t>
+            </a:r>
           </a:p>
         </p:txBody>
       </p:sp>
     </p:spTree>
     <p:extLst>
       <p:ext uri="{BB962C8B-B14F-4D97-AF65-F5344CB8AC3E}">
-        <p14:creationId xmlns:p14="http://schemas.microsoft.com/office/powerpoint/2010/main" val="911142797"/>
+        <p14:creationId xmlns:p14="http://schemas.microsoft.com/office/powerpoint/2010/main" val="3642249218"/>
+      </p:ext>
+    </p:extLst>
+  </p:cSld>
+  <p:clrMapOvr>
+    <a:masterClrMapping/>
+  </p:clrMapOvr>
+  <mc:AlternateContent xmlns:mc="http://schemas.openxmlformats.org/markup-compatibility/2006">
+    <mc:Choice xmlns:p15="http://schemas.microsoft.com/office/powerpoint/2012/main" Requires="p15">
+      <p:transition xmlns:p14="http://schemas.microsoft.com/office/powerpoint/2010/main" spd="slow" p14:dur="2000">
+        <p15:prstTrans prst="drape"/>
+      </p:transition>
+    </mc:Choice>
+    <mc:Fallback>
+      <p:transition spd="slow">
+        <p:fade/>
+      </p:transition>
+    </mc:Fallback>
+  </mc:AlternateContent>
+</p:sld>
+</file>
+
+<file path=ppt/slides/slide7.xml><?xml version="1.0" encoding="utf-8"?>
+<p:sld xmlns:a="http://schemas.openxmlformats.org/drawingml/2006/main" xmlns:r="http://schemas.openxmlformats.org/officeDocument/2006/relationships" xmlns:p="http://schemas.openxmlformats.org/presentationml/2006/main">
+  <p:cSld>
+    <p:spTree>
+      <p:nvGrpSpPr>
+        <p:cNvPr id="1" name=""/>
+        <p:cNvGrpSpPr/>
+        <p:nvPr/>
+      </p:nvGrpSpPr>
+      <p:grpSpPr>
+        <a:xfrm>
+          <a:off x="0" y="0"/>
+          <a:ext cx="0" cy="0"/>
+          <a:chOff x="0" y="0"/>
+          <a:chExt cx="0" cy="0"/>
+        </a:xfrm>
+      </p:grpSpPr>
+      <p:sp>
+        <p:nvSpPr>
+          <p:cNvPr id="2" name="Title 1"/>
+          <p:cNvSpPr>
+            <a:spLocks noGrp="1"/>
+          </p:cNvSpPr>
+          <p:nvPr>
+            <p:ph type="title"/>
+          </p:nvPr>
+        </p:nvSpPr>
+        <p:spPr/>
+        <p:txBody>
+          <a:bodyPr/>
+          <a:lstStyle/>
+          <a:p>
+            <a:r>
+              <a:rPr lang="nl-NL" dirty="0"/>
+              <a:t>Ingebouwd veiligheidsniveau</a:t>
+            </a:r>
+          </a:p>
+        </p:txBody>
+      </p:sp>
+      <p:sp>
+        <p:nvSpPr>
+          <p:cNvPr id="3" name="Content Placeholder 2"/>
+          <p:cNvSpPr>
+            <a:spLocks noGrp="1"/>
+          </p:cNvSpPr>
+          <p:nvPr>
+            <p:ph idx="1"/>
+          </p:nvPr>
+        </p:nvSpPr>
+        <p:spPr/>
+        <p:txBody>
+          <a:bodyPr/>
+          <a:lstStyle/>
+          <a:p>
+            <a:r>
+              <a:rPr lang="nl-NL" dirty="0"/>
+              <a:t>Gebruik van </a:t>
+            </a:r>
+            <a:r>
+              <a:rPr lang="nl-NL" dirty="0" err="1"/>
+              <a:t>hashing</a:t>
+            </a:r>
+            <a:endParaRPr lang="nl-NL" dirty="0"/>
+          </a:p>
+          <a:p>
+            <a:r>
+              <a:rPr lang="nl-NL" dirty="0" err="1"/>
+              <a:t>Prepared</a:t>
+            </a:r>
+            <a:r>
+              <a:rPr lang="nl-NL" dirty="0"/>
+              <a:t> statements</a:t>
+            </a:r>
+          </a:p>
+          <a:p>
+            <a:r>
+              <a:rPr lang="nl-NL" dirty="0"/>
+              <a:t>403-Forbidden</a:t>
+            </a:r>
+          </a:p>
+        </p:txBody>
+      </p:sp>
+    </p:spTree>
+    <p:extLst>
+      <p:ext uri="{BB962C8B-B14F-4D97-AF65-F5344CB8AC3E}">
+        <p14:creationId xmlns:p14="http://schemas.microsoft.com/office/powerpoint/2010/main" val="4188242269"/>
+      </p:ext>
+    </p:extLst>
+  </p:cSld>
+  <p:clrMapOvr>
+    <a:masterClrMapping/>
+  </p:clrMapOvr>
+  <mc:AlternateContent xmlns:mc="http://schemas.openxmlformats.org/markup-compatibility/2006">
+    <mc:Choice xmlns:p15="http://schemas.microsoft.com/office/powerpoint/2012/main" Requires="p15">
+      <p:transition xmlns:p14="http://schemas.microsoft.com/office/powerpoint/2010/main" spd="slow" p14:dur="2000">
+        <p15:prstTrans prst="drape"/>
+      </p:transition>
+    </mc:Choice>
+    <mc:Fallback>
+      <p:transition spd="slow">
+        <p:fade/>
+      </p:transition>
+    </mc:Fallback>
+  </mc:AlternateContent>
+</p:sld>
+</file>
+
+<file path=ppt/slides/slide8.xml><?xml version="1.0" encoding="utf-8"?>
+<p:sld xmlns:a="http://schemas.openxmlformats.org/drawingml/2006/main" xmlns:r="http://schemas.openxmlformats.org/officeDocument/2006/relationships" xmlns:p="http://schemas.openxmlformats.org/presentationml/2006/main">
+  <p:cSld>
+    <p:spTree>
+      <p:nvGrpSpPr>
+        <p:cNvPr id="1" name=""/>
+        <p:cNvGrpSpPr/>
+        <p:nvPr/>
+      </p:nvGrpSpPr>
+      <p:grpSpPr>
+        <a:xfrm>
+          <a:off x="0" y="0"/>
+          <a:ext cx="0" cy="0"/>
+          <a:chOff x="0" y="0"/>
+          <a:chExt cx="0" cy="0"/>
+        </a:xfrm>
+      </p:grpSpPr>
+      <p:sp>
+        <p:nvSpPr>
+          <p:cNvPr id="2" name="Title 1"/>
+          <p:cNvSpPr>
+            <a:spLocks noGrp="1"/>
+          </p:cNvSpPr>
+          <p:nvPr>
+            <p:ph type="title"/>
+          </p:nvPr>
+        </p:nvSpPr>
+        <p:spPr/>
+        <p:txBody>
+          <a:bodyPr/>
+          <a:lstStyle/>
+          <a:p>
+            <a:r>
+              <a:rPr lang="nl-NL" dirty="0"/>
+              <a:t>Advies vervolgstappen</a:t>
+            </a:r>
+          </a:p>
+        </p:txBody>
+      </p:sp>
+      <p:sp>
+        <p:nvSpPr>
+          <p:cNvPr id="3" name="Content Placeholder 2"/>
+          <p:cNvSpPr>
+            <a:spLocks noGrp="1"/>
+          </p:cNvSpPr>
+          <p:nvPr>
+            <p:ph idx="1"/>
+          </p:nvPr>
+        </p:nvSpPr>
+        <p:spPr/>
+        <p:txBody>
+          <a:bodyPr/>
+          <a:lstStyle/>
+          <a:p>
+            <a:r>
+              <a:rPr lang="nl-NL" dirty="0"/>
+              <a:t>Formulieren checken op foutieve invoer</a:t>
+            </a:r>
+          </a:p>
+          <a:p>
+            <a:r>
+              <a:rPr lang="nl-NL" dirty="0"/>
+              <a:t>HTTPS</a:t>
+            </a:r>
+          </a:p>
+        </p:txBody>
+      </p:sp>
+    </p:spTree>
+    <p:extLst>
+      <p:ext uri="{BB962C8B-B14F-4D97-AF65-F5344CB8AC3E}">
+        <p14:creationId xmlns:p14="http://schemas.microsoft.com/office/powerpoint/2010/main" val="1331931137"/>
+      </p:ext>
+    </p:extLst>
+  </p:cSld>
+  <p:clrMapOvr>
+    <a:masterClrMapping/>
+  </p:clrMapOvr>
+  <mc:AlternateContent xmlns:mc="http://schemas.openxmlformats.org/markup-compatibility/2006">
+    <mc:Choice xmlns:p15="http://schemas.microsoft.com/office/powerpoint/2012/main" Requires="p15">
+      <p:transition xmlns:p14="http://schemas.microsoft.com/office/powerpoint/2010/main" spd="slow" p14:dur="2000">
+        <p15:prstTrans prst="drape"/>
+      </p:transition>
+    </mc:Choice>
+    <mc:Fallback>
+      <p:transition spd="slow">
+        <p:fade/>
+      </p:transition>
+    </mc:Fallback>
+  </mc:AlternateContent>
+</p:sld>
+</file>
+
+<file path=ppt/slides/slide9.xml><?xml version="1.0" encoding="utf-8"?>
+<p:sld xmlns:a="http://schemas.openxmlformats.org/drawingml/2006/main" xmlns:r="http://schemas.openxmlformats.org/officeDocument/2006/relationships" xmlns:p="http://schemas.openxmlformats.org/presentationml/2006/main">
+  <p:cSld>
+    <p:spTree>
+      <p:nvGrpSpPr>
+        <p:cNvPr id="1" name=""/>
+        <p:cNvGrpSpPr/>
+        <p:nvPr/>
+      </p:nvGrpSpPr>
+      <p:grpSpPr>
+        <a:xfrm>
+          <a:off x="0" y="0"/>
+          <a:ext cx="0" cy="0"/>
+          <a:chOff x="0" y="0"/>
+          <a:chExt cx="0" cy="0"/>
+        </a:xfrm>
+      </p:grpSpPr>
+      <p:sp>
+        <p:nvSpPr>
+          <p:cNvPr id="2" name="Title 1"/>
+          <p:cNvSpPr>
+            <a:spLocks noGrp="1"/>
+          </p:cNvSpPr>
+          <p:nvPr>
+            <p:ph type="title"/>
+          </p:nvPr>
+        </p:nvSpPr>
+        <p:spPr/>
+        <p:txBody>
+          <a:bodyPr>
+            <a:normAutofit/>
+          </a:bodyPr>
+          <a:lstStyle/>
+          <a:p>
+            <a:r>
+              <a:rPr lang="nl-NL" dirty="0"/>
+              <a:t>Advies ICT-ondersteuning bedrijfsvoering</a:t>
+            </a:r>
+          </a:p>
+        </p:txBody>
+      </p:sp>
+      <p:sp>
+        <p:nvSpPr>
+          <p:cNvPr id="3" name="Content Placeholder 2"/>
+          <p:cNvSpPr>
+            <a:spLocks noGrp="1"/>
+          </p:cNvSpPr>
+          <p:nvPr>
+            <p:ph idx="1"/>
+          </p:nvPr>
+        </p:nvSpPr>
+        <p:spPr/>
+        <p:txBody>
+          <a:bodyPr/>
+          <a:lstStyle/>
+          <a:p>
+            <a:endParaRPr lang="nl-NL" dirty="0"/>
+          </a:p>
+        </p:txBody>
+      </p:sp>
+      <p:pic>
+        <p:nvPicPr>
+          <p:cNvPr id="2050" name="Picture 2" descr="http://www.thepaypers.com/userfiles/image/IDEAL_Logo.png"/>
+          <p:cNvPicPr>
+            <a:picLocks noChangeAspect="1" noChangeArrowheads="1"/>
+          </p:cNvPicPr>
+          <p:nvPr/>
+        </p:nvPicPr>
+        <p:blipFill>
+          <a:blip r:embed="rId2">
+            <a:extLst>
+              <a:ext uri="{28A0092B-C50C-407E-A947-70E740481C1C}">
+                <a14:useLocalDpi xmlns:a14="http://schemas.microsoft.com/office/drawing/2010/main" val="0"/>
+              </a:ext>
+            </a:extLst>
+          </a:blip>
+          <a:srcRect/>
+          <a:stretch>
+            <a:fillRect/>
+          </a:stretch>
+        </p:blipFill>
+        <p:spPr bwMode="auto">
+          <a:xfrm>
+            <a:off x="2589212" y="2612571"/>
+            <a:ext cx="3186437" cy="2757493"/>
+          </a:xfrm>
+          <a:prstGeom prst="rect">
+            <a:avLst/>
+          </a:prstGeom>
+          <a:ln>
+            <a:noFill/>
+          </a:ln>
+          <a:effectLst>
+            <a:outerShdw blurRad="292100" dist="139700" dir="2700000" algn="tl" rotWithShape="0">
+              <a:srgbClr val="333333">
+                <a:alpha val="65000"/>
+              </a:srgbClr>
+            </a:outerShdw>
+          </a:effectLst>
+          <a:extLst>
+            <a:ext uri="{909E8E84-426E-40DD-AFC4-6F175D3DCCD1}">
+              <a14:hiddenFill xmlns:a14="http://schemas.microsoft.com/office/drawing/2010/main">
+                <a:solidFill>
+                  <a:srgbClr val="FFFFFF"/>
+                </a:solidFill>
+              </a14:hiddenFill>
+            </a:ext>
+          </a:extLst>
+        </p:spPr>
+      </p:pic>
+    </p:spTree>
+    <p:extLst>
+      <p:ext uri="{BB962C8B-B14F-4D97-AF65-F5344CB8AC3E}">
+        <p14:creationId xmlns:p14="http://schemas.microsoft.com/office/powerpoint/2010/main" val="1122613536"/>
       </p:ext>
     </p:extLst>
   </p:cSld>
@@ -8546,4 +9662,299 @@
     </a:ext>
   </a:extLst>
 </a:theme>
+</file>
+
+<file path=ppt/theme/theme2.xml><?xml version="1.0" encoding="utf-8"?>
+<a:theme xmlns:a="http://schemas.openxmlformats.org/drawingml/2006/main" name="Office Theme">
+  <a:themeElements>
+    <a:clrScheme name="Office">
+      <a:dk1>
+        <a:sysClr val="windowText" lastClr="000000"/>
+      </a:dk1>
+      <a:lt1>
+        <a:sysClr val="window" lastClr="FFFFFF"/>
+      </a:lt1>
+      <a:dk2>
+        <a:srgbClr val="44546A"/>
+      </a:dk2>
+      <a:lt2>
+        <a:srgbClr val="E7E6E6"/>
+      </a:lt2>
+      <a:accent1>
+        <a:srgbClr val="4472C4"/>
+      </a:accent1>
+      <a:accent2>
+        <a:srgbClr val="ED7D31"/>
+      </a:accent2>
+      <a:accent3>
+        <a:srgbClr val="A5A5A5"/>
+      </a:accent3>
+      <a:accent4>
+        <a:srgbClr val="FFC000"/>
+      </a:accent4>
+      <a:accent5>
+        <a:srgbClr val="5B9BD5"/>
+      </a:accent5>
+      <a:accent6>
+        <a:srgbClr val="70AD47"/>
+      </a:accent6>
+      <a:hlink>
+        <a:srgbClr val="0563C1"/>
+      </a:hlink>
+      <a:folHlink>
+        <a:srgbClr val="954F72"/>
+      </a:folHlink>
+    </a:clrScheme>
+    <a:fontScheme name="Office">
+      <a:majorFont>
+        <a:latin typeface="Calibri Light" panose="020F0302020204030204"/>
+        <a:ea typeface=""/>
+        <a:cs typeface=""/>
+        <a:font script="Jpan" typeface="游ゴシック Light"/>
+        <a:font script="Hang" typeface="맑은 고딕"/>
+        <a:font script="Hans" typeface="等线 Light"/>
+        <a:font script="Hant" typeface="新細明體"/>
+        <a:font script="Arab" typeface="Times New Roman"/>
+        <a:font script="Hebr" typeface="Times New Roman"/>
+        <a:font script="Thai" typeface="Angsana New"/>
+        <a:font script="Ethi" typeface="Nyala"/>
+        <a:font script="Beng" typeface="Vrinda"/>
+        <a:font script="Gujr" typeface="Shruti"/>
+        <a:font script="Khmr" typeface="MoolBoran"/>
+        <a:font script="Knda" typeface="Tunga"/>
+        <a:font script="Guru" typeface="Raavi"/>
+        <a:font script="Cans" typeface="Euphemia"/>
+        <a:font script="Cher" typeface="Plantagenet Cherokee"/>
+        <a:font script="Yiii" typeface="Microsoft Yi Baiti"/>
+        <a:font script="Tibt" typeface="Microsoft Himalaya"/>
+        <a:font script="Thaa" typeface="MV Boli"/>
+        <a:font script="Deva" typeface="Mangal"/>
+        <a:font script="Telu" typeface="Gautami"/>
+        <a:font script="Taml" typeface="Latha"/>
+        <a:font script="Syrc" typeface="Estrangelo Edessa"/>
+        <a:font script="Orya" typeface="Kalinga"/>
+        <a:font script="Mlym" typeface="Kartika"/>
+        <a:font script="Laoo" typeface="DokChampa"/>
+        <a:font script="Sinh" typeface="Iskoola Pota"/>
+        <a:font script="Mong" typeface="Mongolian Baiti"/>
+        <a:font script="Viet" typeface="Times New Roman"/>
+        <a:font script="Uigh" typeface="Microsoft Uighur"/>
+        <a:font script="Geor" typeface="Sylfaen"/>
+        <a:font script="Armn" typeface="Arial"/>
+        <a:font script="Bugi" typeface="Leelawadee UI"/>
+        <a:font script="Bopo" typeface="Microsoft JhengHei"/>
+        <a:font script="Java" typeface="Javanese Text"/>
+        <a:font script="Lisu" typeface="Segoe UI"/>
+        <a:font script="Mymr" typeface="Myanmar Text"/>
+        <a:font script="Nkoo" typeface="Ebrima"/>
+        <a:font script="Olck" typeface="Nirmala UI"/>
+        <a:font script="Osma" typeface="Ebrima"/>
+        <a:font script="Phag" typeface="Phagspa"/>
+        <a:font script="Syrn" typeface="Estrangelo Edessa"/>
+        <a:font script="Syrj" typeface="Estrangelo Edessa"/>
+        <a:font script="Syre" typeface="Estrangelo Edessa"/>
+        <a:font script="Sora" typeface="Nirmala UI"/>
+        <a:font script="Tale" typeface="Microsoft Tai Le"/>
+        <a:font script="Talu" typeface="Microsoft New Tai Lue"/>
+        <a:font script="Tfng" typeface="Ebrima"/>
+      </a:majorFont>
+      <a:minorFont>
+        <a:latin typeface="Calibri" panose="020F0502020204030204"/>
+        <a:ea typeface=""/>
+        <a:cs typeface=""/>
+        <a:font script="Jpan" typeface="游ゴシック"/>
+        <a:font script="Hang" typeface="맑은 고딕"/>
+        <a:font script="Hans" typeface="等线"/>
+        <a:font script="Hant" typeface="新細明體"/>
+        <a:font script="Arab" typeface="Arial"/>
+        <a:font script="Hebr" typeface="Arial"/>
+        <a:font script="Thai" typeface="Cordia New"/>
+        <a:font script="Ethi" typeface="Nyala"/>
+        <a:font script="Beng" typeface="Vrinda"/>
+        <a:font script="Gujr" typeface="Shruti"/>
+        <a:font script="Khmr" typeface="DaunPenh"/>
+        <a:font script="Knda" typeface="Tunga"/>
+        <a:font script="Guru" typeface="Raavi"/>
+        <a:font script="Cans" typeface="Euphemia"/>
+        <a:font script="Cher" typeface="Plantagenet Cherokee"/>
+        <a:font script="Yiii" typeface="Microsoft Yi Baiti"/>
+        <a:font script="Tibt" typeface="Microsoft Himalaya"/>
+        <a:font script="Thaa" typeface="MV Boli"/>
+        <a:font script="Deva" typeface="Mangal"/>
+        <a:font script="Telu" typeface="Gautami"/>
+        <a:font script="Taml" typeface="Latha"/>
+        <a:font script="Syrc" typeface="Estrangelo Edessa"/>
+        <a:font script="Orya" typeface="Kalinga"/>
+        <a:font script="Mlym" typeface="Kartika"/>
+        <a:font script="Laoo" typeface="DokChampa"/>
+        <a:font script="Sinh" typeface="Iskoola Pota"/>
+        <a:font script="Mong" typeface="Mongolian Baiti"/>
+        <a:font script="Viet" typeface="Arial"/>
+        <a:font script="Uigh" typeface="Microsoft Uighur"/>
+        <a:font script="Geor" typeface="Sylfaen"/>
+        <a:font script="Armn" typeface="Arial"/>
+        <a:font script="Bugi" typeface="Leelawadee UI"/>
+        <a:font script="Bopo" typeface="Microsoft JhengHei"/>
+        <a:font script="Java" typeface="Javanese Text"/>
+        <a:font script="Lisu" typeface="Segoe UI"/>
+        <a:font script="Mymr" typeface="Myanmar Text"/>
+        <a:font script="Nkoo" typeface="Ebrima"/>
+        <a:font script="Olck" typeface="Nirmala UI"/>
+        <a:font script="Osma" typeface="Ebrima"/>
+        <a:font script="Phag" typeface="Phagspa"/>
+        <a:font script="Syrn" typeface="Estrangelo Edessa"/>
+        <a:font script="Syrj" typeface="Estrangelo Edessa"/>
+        <a:font script="Syre" typeface="Estrangelo Edessa"/>
+        <a:font script="Sora" typeface="Nirmala UI"/>
+        <a:font script="Tale" typeface="Microsoft Tai Le"/>
+        <a:font script="Talu" typeface="Microsoft New Tai Lue"/>
+        <a:font script="Tfng" typeface="Ebrima"/>
+      </a:minorFont>
+    </a:fontScheme>
+    <a:fmtScheme name="Office">
+      <a:fillStyleLst>
+        <a:solidFill>
+          <a:schemeClr val="phClr"/>
+        </a:solidFill>
+        <a:gradFill rotWithShape="1">
+          <a:gsLst>
+            <a:gs pos="0">
+              <a:schemeClr val="phClr">
+                <a:lumMod val="110000"/>
+                <a:satMod val="105000"/>
+                <a:tint val="67000"/>
+              </a:schemeClr>
+            </a:gs>
+            <a:gs pos="50000">
+              <a:schemeClr val="phClr">
+                <a:lumMod val="105000"/>
+                <a:satMod val="103000"/>
+                <a:tint val="73000"/>
+              </a:schemeClr>
+            </a:gs>
+            <a:gs pos="100000">
+              <a:schemeClr val="phClr">
+                <a:lumMod val="105000"/>
+                <a:satMod val="109000"/>
+                <a:tint val="81000"/>
+              </a:schemeClr>
+            </a:gs>
+          </a:gsLst>
+          <a:lin ang="5400000" scaled="0"/>
+        </a:gradFill>
+        <a:gradFill rotWithShape="1">
+          <a:gsLst>
+            <a:gs pos="0">
+              <a:schemeClr val="phClr">
+                <a:satMod val="103000"/>
+                <a:lumMod val="102000"/>
+                <a:tint val="94000"/>
+              </a:schemeClr>
+            </a:gs>
+            <a:gs pos="50000">
+              <a:schemeClr val="phClr">
+                <a:satMod val="110000"/>
+                <a:lumMod val="100000"/>
+                <a:shade val="100000"/>
+              </a:schemeClr>
+            </a:gs>
+            <a:gs pos="100000">
+              <a:schemeClr val="phClr">
+                <a:lumMod val="99000"/>
+                <a:satMod val="120000"/>
+                <a:shade val="78000"/>
+              </a:schemeClr>
+            </a:gs>
+          </a:gsLst>
+          <a:lin ang="5400000" scaled="0"/>
+        </a:gradFill>
+      </a:fillStyleLst>
+      <a:lnStyleLst>
+        <a:ln w="6350" cap="flat" cmpd="sng" algn="ctr">
+          <a:solidFill>
+            <a:schemeClr val="phClr"/>
+          </a:solidFill>
+          <a:prstDash val="solid"/>
+          <a:miter lim="800000"/>
+        </a:ln>
+        <a:ln w="12700" cap="flat" cmpd="sng" algn="ctr">
+          <a:solidFill>
+            <a:schemeClr val="phClr"/>
+          </a:solidFill>
+          <a:prstDash val="solid"/>
+          <a:miter lim="800000"/>
+        </a:ln>
+        <a:ln w="19050" cap="flat" cmpd="sng" algn="ctr">
+          <a:solidFill>
+            <a:schemeClr val="phClr"/>
+          </a:solidFill>
+          <a:prstDash val="solid"/>
+          <a:miter lim="800000"/>
+        </a:ln>
+      </a:lnStyleLst>
+      <a:effectStyleLst>
+        <a:effectStyle>
+          <a:effectLst/>
+        </a:effectStyle>
+        <a:effectStyle>
+          <a:effectLst/>
+        </a:effectStyle>
+        <a:effectStyle>
+          <a:effectLst>
+            <a:outerShdw blurRad="57150" dist="19050" dir="5400000" algn="ctr" rotWithShape="0">
+              <a:srgbClr val="000000">
+                <a:alpha val="63000"/>
+              </a:srgbClr>
+            </a:outerShdw>
+          </a:effectLst>
+        </a:effectStyle>
+      </a:effectStyleLst>
+      <a:bgFillStyleLst>
+        <a:solidFill>
+          <a:schemeClr val="phClr"/>
+        </a:solidFill>
+        <a:solidFill>
+          <a:schemeClr val="phClr">
+            <a:tint val="95000"/>
+            <a:satMod val="170000"/>
+          </a:schemeClr>
+        </a:solidFill>
+        <a:gradFill rotWithShape="1">
+          <a:gsLst>
+            <a:gs pos="0">
+              <a:schemeClr val="phClr">
+                <a:tint val="93000"/>
+                <a:satMod val="150000"/>
+                <a:shade val="98000"/>
+                <a:lumMod val="102000"/>
+              </a:schemeClr>
+            </a:gs>
+            <a:gs pos="50000">
+              <a:schemeClr val="phClr">
+                <a:tint val="98000"/>
+                <a:satMod val="130000"/>
+                <a:shade val="90000"/>
+                <a:lumMod val="103000"/>
+              </a:schemeClr>
+            </a:gs>
+            <a:gs pos="100000">
+              <a:schemeClr val="phClr">
+                <a:shade val="63000"/>
+                <a:satMod val="120000"/>
+              </a:schemeClr>
+            </a:gs>
+          </a:gsLst>
+          <a:lin ang="5400000" scaled="0"/>
+        </a:gradFill>
+      </a:bgFillStyleLst>
+    </a:fmtScheme>
+  </a:themeElements>
+  <a:objectDefaults/>
+  <a:extraClrSchemeLst/>
+  <a:extLst>
+    <a:ext uri="{05A4C25C-085E-4340-85A3-A5531E510DB2}">
+      <thm15:themeFamily xmlns:thm15="http://schemas.microsoft.com/office/thememl/2012/main" name="Office Theme" id="{62F939B6-93AF-4DB8-9C6B-D6C7DFDC589F}" vid="{4A3C46E8-61CC-4603-A589-7422A47A8E4A}"/>
+    </a:ext>
+  </a:extLst>
+</a:theme>
 </file>
--- a/Opleveren/Sprint 3 presentatie.pptx
+++ b/Opleveren/Sprint 3 presentatie.pptx
@@ -8344,13 +8344,13 @@
   <p:clrMapOvr>
     <a:masterClrMapping/>
   </p:clrMapOvr>
-  <mc:AlternateContent xmlns:mc="http://schemas.openxmlformats.org/markup-compatibility/2006">
-    <mc:Choice xmlns:p15="http://schemas.microsoft.com/office/powerpoint/2012/main" Requires="p15">
+  <mc:AlternateContent xmlns:mc="http://schemas.openxmlformats.org/markup-compatibility/2006" xmlns:p15="http://schemas.microsoft.com/office/powerpoint/2012/main">
+    <mc:Choice Requires="p15">
       <p:transition xmlns:p14="http://schemas.microsoft.com/office/powerpoint/2010/main" spd="slow" p14:dur="2000">
         <p15:prstTrans prst="drape"/>
       </p:transition>
     </mc:Choice>
-    <mc:Fallback>
+    <mc:Fallback xmlns="">
       <p:transition spd="slow">
         <p:fade/>
       </p:transition>
@@ -8427,13 +8427,13 @@
   <p:clrMapOvr>
     <a:masterClrMapping/>
   </p:clrMapOvr>
-  <mc:AlternateContent xmlns:mc="http://schemas.openxmlformats.org/markup-compatibility/2006">
-    <mc:Choice xmlns:p15="http://schemas.microsoft.com/office/powerpoint/2012/main" Requires="p15">
+  <mc:AlternateContent xmlns:mc="http://schemas.openxmlformats.org/markup-compatibility/2006" xmlns:p15="http://schemas.microsoft.com/office/powerpoint/2012/main">
+    <mc:Choice Requires="p15">
       <p:transition xmlns:p14="http://schemas.microsoft.com/office/powerpoint/2010/main" spd="slow" p14:dur="2000">
         <p15:prstTrans prst="drape"/>
       </p:transition>
     </mc:Choice>
-    <mc:Fallback>
+    <mc:Fallback xmlns="">
       <p:transition spd="slow">
         <p:fade/>
       </p:transition>
@@ -8534,13 +8534,13 @@
   <p:clrMapOvr>
     <a:masterClrMapping/>
   </p:clrMapOvr>
-  <mc:AlternateContent xmlns:mc="http://schemas.openxmlformats.org/markup-compatibility/2006">
-    <mc:Choice xmlns:p15="http://schemas.microsoft.com/office/powerpoint/2012/main" Requires="p15">
+  <mc:AlternateContent xmlns:mc="http://schemas.openxmlformats.org/markup-compatibility/2006" xmlns:p15="http://schemas.microsoft.com/office/powerpoint/2012/main">
+    <mc:Choice Requires="p15">
       <p:transition xmlns:p14="http://schemas.microsoft.com/office/powerpoint/2010/main" spd="slow" p14:dur="2000">
         <p15:prstTrans prst="drape"/>
       </p:transition>
     </mc:Choice>
-    <mc:Fallback>
+    <mc:Fallback xmlns="">
       <p:transition spd="slow">
         <p:fade/>
       </p:transition>
@@ -8635,13 +8635,13 @@
   <p:clrMapOvr>
     <a:masterClrMapping/>
   </p:clrMapOvr>
-  <mc:AlternateContent xmlns:mc="http://schemas.openxmlformats.org/markup-compatibility/2006">
-    <mc:Choice xmlns:p15="http://schemas.microsoft.com/office/powerpoint/2012/main" Requires="p15">
+  <mc:AlternateContent xmlns:mc="http://schemas.openxmlformats.org/markup-compatibility/2006" xmlns:p15="http://schemas.microsoft.com/office/powerpoint/2012/main">
+    <mc:Choice Requires="p15">
       <p:transition xmlns:p14="http://schemas.microsoft.com/office/powerpoint/2010/main" spd="slow" p14:dur="2000">
         <p15:prstTrans prst="drape"/>
       </p:transition>
     </mc:Choice>
-    <mc:Fallback>
+    <mc:Fallback xmlns="">
       <p:transition spd="slow">
         <p:fade/>
       </p:transition>
@@ -8702,7 +8702,7 @@
         <p:spPr/>
         <p:txBody>
           <a:bodyPr>
-            <a:normAutofit lnSpcReduction="10000"/>
+            <a:normAutofit/>
           </a:bodyPr>
           <a:lstStyle/>
           <a:p>
@@ -8764,15 +8764,6 @@
               <a:rPr lang="nl-NL" dirty="0"/>
               <a:t>Wisselen van taal</a:t>
             </a:r>
-          </a:p>
-          <a:p>
-            <a:r>
-              <a:rPr lang="nl-NL" dirty="0"/>
-              <a:t>Bevestigingsmail boeking</a:t>
-            </a:r>
-          </a:p>
-          <a:p>
-            <a:endParaRPr lang="nl-NL" dirty="0"/>
           </a:p>
           <a:p>
             <a:endParaRPr lang="nl-NL" dirty="0"/>
@@ -8789,13 +8780,13 @@
   <p:clrMapOvr>
     <a:masterClrMapping/>
   </p:clrMapOvr>
-  <mc:AlternateContent xmlns:mc="http://schemas.openxmlformats.org/markup-compatibility/2006">
-    <mc:Choice xmlns:p15="http://schemas.microsoft.com/office/powerpoint/2012/main" Requires="p15">
+  <mc:AlternateContent xmlns:mc="http://schemas.openxmlformats.org/markup-compatibility/2006" xmlns:p15="http://schemas.microsoft.com/office/powerpoint/2012/main">
+    <mc:Choice Requires="p15">
       <p:transition xmlns:p14="http://schemas.microsoft.com/office/powerpoint/2010/main" spd="slow" p14:dur="2000">
         <p15:prstTrans prst="drape"/>
       </p:transition>
     </mc:Choice>
-    <mc:Fallback>
+    <mc:Fallback xmlns="">
       <p:transition spd="slow">
         <p:fade/>
       </p:transition>
@@ -8901,13 +8892,13 @@
   <p:clrMapOvr>
     <a:masterClrMapping/>
   </p:clrMapOvr>
-  <mc:AlternateContent xmlns:mc="http://schemas.openxmlformats.org/markup-compatibility/2006">
-    <mc:Choice xmlns:p15="http://schemas.microsoft.com/office/powerpoint/2012/main" Requires="p15">
+  <mc:AlternateContent xmlns:mc="http://schemas.openxmlformats.org/markup-compatibility/2006" xmlns:p15="http://schemas.microsoft.com/office/powerpoint/2012/main">
+    <mc:Choice Requires="p15">
       <p:transition xmlns:p14="http://schemas.microsoft.com/office/powerpoint/2010/main" spd="slow" p14:dur="2000">
         <p15:prstTrans prst="drape"/>
       </p:transition>
     </mc:Choice>
-    <mc:Fallback>
+    <mc:Fallback xmlns="">
       <p:transition spd="slow">
         <p:fade/>
       </p:transition>
@@ -9072,13 +9063,13 @@
   <p:clrMapOvr>
     <a:masterClrMapping/>
   </p:clrMapOvr>
-  <mc:AlternateContent xmlns:mc="http://schemas.openxmlformats.org/markup-compatibility/2006">
-    <mc:Choice xmlns:p15="http://schemas.microsoft.com/office/powerpoint/2012/main" Requires="p15">
+  <mc:AlternateContent xmlns:mc="http://schemas.openxmlformats.org/markup-compatibility/2006" xmlns:p15="http://schemas.microsoft.com/office/powerpoint/2012/main">
+    <mc:Choice Requires="p15">
       <p:transition xmlns:p14="http://schemas.microsoft.com/office/powerpoint/2010/main" spd="slow" p14:dur="2000">
         <p15:prstTrans prst="drape"/>
       </p:transition>
     </mc:Choice>
-    <mc:Fallback>
+    <mc:Fallback xmlns="">
       <p:transition spd="slow">
         <p:fade/>
       </p:transition>
@@ -9179,13 +9170,13 @@
   <p:clrMapOvr>
     <a:masterClrMapping/>
   </p:clrMapOvr>
-  <mc:AlternateContent xmlns:mc="http://schemas.openxmlformats.org/markup-compatibility/2006">
-    <mc:Choice xmlns:p15="http://schemas.microsoft.com/office/powerpoint/2012/main" Requires="p15">
+  <mc:AlternateContent xmlns:mc="http://schemas.openxmlformats.org/markup-compatibility/2006" xmlns:p15="http://schemas.microsoft.com/office/powerpoint/2012/main">
+    <mc:Choice Requires="p15">
       <p:transition xmlns:p14="http://schemas.microsoft.com/office/powerpoint/2010/main" spd="slow" p14:dur="2000">
         <p15:prstTrans prst="drape"/>
       </p:transition>
     </mc:Choice>
-    <mc:Fallback>
+    <mc:Fallback xmlns="">
       <p:transition spd="slow">
         <p:fade/>
       </p:transition>
@@ -9271,13 +9262,13 @@
   <p:clrMapOvr>
     <a:masterClrMapping/>
   </p:clrMapOvr>
-  <mc:AlternateContent xmlns:mc="http://schemas.openxmlformats.org/markup-compatibility/2006">
-    <mc:Choice xmlns:p15="http://schemas.microsoft.com/office/powerpoint/2012/main" Requires="p15">
+  <mc:AlternateContent xmlns:mc="http://schemas.openxmlformats.org/markup-compatibility/2006" xmlns:p15="http://schemas.microsoft.com/office/powerpoint/2012/main">
+    <mc:Choice Requires="p15">
       <p:transition xmlns:p14="http://schemas.microsoft.com/office/powerpoint/2010/main" spd="slow" p14:dur="2000">
         <p15:prstTrans prst="drape"/>
       </p:transition>
     </mc:Choice>
-    <mc:Fallback>
+    <mc:Fallback xmlns="">
       <p:transition spd="slow">
         <p:fade/>
       </p:transition>
@@ -9342,7 +9333,10 @@
           <a:bodyPr/>
           <a:lstStyle/>
           <a:p>
-            <a:endParaRPr lang="nl-NL" dirty="0"/>
+            <a:r>
+              <a:rPr lang="nl-NL" dirty="0"/>
+              <a:t>E-mail bevestiging boeking</a:t>
+            </a:r>
           </a:p>
         </p:txBody>
       </p:sp>
@@ -9369,8 +9363,8 @@
         </p:blipFill>
         <p:spPr bwMode="auto">
           <a:xfrm>
-            <a:off x="2589212" y="2612571"/>
-            <a:ext cx="3186437" cy="2757493"/>
+            <a:off x="2589213" y="3423712"/>
+            <a:ext cx="2249118" cy="1946352"/>
           </a:xfrm>
           <a:prstGeom prst="rect">
             <a:avLst/>
@@ -9406,13 +9400,13 @@
   <p:clrMapOvr>
     <a:masterClrMapping/>
   </p:clrMapOvr>
-  <mc:AlternateContent xmlns:mc="http://schemas.openxmlformats.org/markup-compatibility/2006">
-    <mc:Choice xmlns:p15="http://schemas.microsoft.com/office/powerpoint/2012/main" Requires="p15">
+  <mc:AlternateContent xmlns:mc="http://schemas.openxmlformats.org/markup-compatibility/2006" xmlns:p15="http://schemas.microsoft.com/office/powerpoint/2012/main">
+    <mc:Choice Requires="p15">
       <p:transition xmlns:p14="http://schemas.microsoft.com/office/powerpoint/2010/main" spd="slow" p14:dur="2000">
         <p15:prstTrans prst="drape"/>
       </p:transition>
     </mc:Choice>
-    <mc:Fallback>
+    <mc:Fallback xmlns="">
       <p:transition spd="slow">
         <p:fade/>
       </p:transition>

--- a/Opleveren/Sprint 3 presentatie.pptx
+++ b/Opleveren/Sprint 3 presentatie.pptx
@@ -9248,6 +9248,19 @@
             <a:r>
               <a:rPr lang="nl-NL" dirty="0"/>
               <a:t>HTTPS</a:t>
+            </a:r>
+          </a:p>
+          <a:p>
+            <a:r>
+              <a:rPr lang="nl-NL" dirty="0" err="1"/>
+              <a:t>Logging</a:t>
+            </a:r>
+            <a:endParaRPr lang="nl-NL" dirty="0"/>
+          </a:p>
+          <a:p>
+            <a:r>
+              <a:rPr lang="nl-NL" dirty="0"/>
+              <a:t>Mogelijkheid wachtwoord te veranderen</a:t>
             </a:r>
           </a:p>
         </p:txBody>

--- a/Opleveren/Sprint 3 presentatie.pptx
+++ b/Opleveren/Sprint 3 presentatie.pptx
@@ -206,7 +206,7 @@
           <a:p>
             <a:fld id="{DC8E84A3-975E-4483-B3B3-5D1EEDAC867B}" type="datetimeFigureOut">
               <a:rPr lang="nl-NL" smtClean="0"/>
-              <a:t>8-1-2017</a:t>
+              <a:t>9-1-2017</a:t>
             </a:fld>
             <a:endParaRPr lang="nl-NL"/>
           </a:p>
@@ -906,7 +906,7 @@
             <a:fld id="{B61BEF0D-F0BB-DE4B-95CE-6DB70DBA9567}" type="datetimeFigureOut">
               <a:rPr lang="en-US" dirty="0"/>
               <a:pPr/>
-              <a:t>1/8/2017</a:t>
+              <a:t>1/9/2017</a:t>
             </a:fld>
             <a:endParaRPr lang="en-US" dirty="0"/>
           </a:p>
@@ -1241,7 +1241,7 @@
             <a:fld id="{B61BEF0D-F0BB-DE4B-95CE-6DB70DBA9567}" type="datetimeFigureOut">
               <a:rPr lang="en-US" dirty="0"/>
               <a:pPr/>
-              <a:t>1/8/2017</a:t>
+              <a:t>1/9/2017</a:t>
             </a:fld>
             <a:endParaRPr lang="en-US" dirty="0"/>
           </a:p>
@@ -1639,7 +1639,7 @@
             <a:fld id="{B61BEF0D-F0BB-DE4B-95CE-6DB70DBA9567}" type="datetimeFigureOut">
               <a:rPr lang="en-US" dirty="0"/>
               <a:pPr/>
-              <a:t>1/8/2017</a:t>
+              <a:t>1/9/2017</a:t>
             </a:fld>
             <a:endParaRPr lang="en-US" dirty="0"/>
           </a:p>
@@ -1972,7 +1972,7 @@
             <a:fld id="{B61BEF0D-F0BB-DE4B-95CE-6DB70DBA9567}" type="datetimeFigureOut">
               <a:rPr lang="en-US" dirty="0"/>
               <a:pPr/>
-              <a:t>1/8/2017</a:t>
+              <a:t>1/9/2017</a:t>
             </a:fld>
             <a:endParaRPr lang="en-US" dirty="0"/>
           </a:p>
@@ -2289,7 +2289,7 @@
             <a:fld id="{B61BEF0D-F0BB-DE4B-95CE-6DB70DBA9567}" type="datetimeFigureOut">
               <a:rPr lang="en-US" dirty="0"/>
               <a:pPr/>
-              <a:t>1/8/2017</a:t>
+              <a:t>1/9/2017</a:t>
             </a:fld>
             <a:endParaRPr lang="en-US" dirty="0"/>
           </a:p>
@@ -2682,7 +2682,7 @@
             <a:fld id="{B61BEF0D-F0BB-DE4B-95CE-6DB70DBA9567}" type="datetimeFigureOut">
               <a:rPr lang="en-US" dirty="0"/>
               <a:pPr/>
-              <a:t>1/8/2017</a:t>
+              <a:t>1/9/2017</a:t>
             </a:fld>
             <a:endParaRPr lang="en-US" dirty="0"/>
           </a:p>
@@ -2936,7 +2936,7 @@
             <a:fld id="{B61BEF0D-F0BB-DE4B-95CE-6DB70DBA9567}" type="datetimeFigureOut">
               <a:rPr lang="en-US" dirty="0"/>
               <a:pPr/>
-              <a:t>1/8/2017</a:t>
+              <a:t>1/9/2017</a:t>
             </a:fld>
             <a:endParaRPr lang="en-US" dirty="0"/>
           </a:p>
@@ -3195,7 +3195,7 @@
             <a:fld id="{B61BEF0D-F0BB-DE4B-95CE-6DB70DBA9567}" type="datetimeFigureOut">
               <a:rPr lang="en-US" dirty="0"/>
               <a:pPr/>
-              <a:t>1/8/2017</a:t>
+              <a:t>1/9/2017</a:t>
             </a:fld>
             <a:endParaRPr lang="en-US" dirty="0"/>
           </a:p>
@@ -3454,7 +3454,7 @@
             <a:fld id="{B61BEF0D-F0BB-DE4B-95CE-6DB70DBA9567}" type="datetimeFigureOut">
               <a:rPr lang="en-US" dirty="0"/>
               <a:pPr/>
-              <a:t>1/8/2017</a:t>
+              <a:t>1/9/2017</a:t>
             </a:fld>
             <a:endParaRPr lang="en-US" dirty="0"/>
           </a:p>
@@ -3780,7 +3780,7 @@
             <a:fld id="{B61BEF0D-F0BB-DE4B-95CE-6DB70DBA9567}" type="datetimeFigureOut">
               <a:rPr lang="en-US" dirty="0"/>
               <a:pPr/>
-              <a:t>1/8/2017</a:t>
+              <a:t>1/9/2017</a:t>
             </a:fld>
             <a:endParaRPr lang="en-US" dirty="0"/>
           </a:p>
@@ -4100,7 +4100,7 @@
             <a:fld id="{B61BEF0D-F0BB-DE4B-95CE-6DB70DBA9567}" type="datetimeFigureOut">
               <a:rPr lang="en-US" dirty="0"/>
               <a:pPr/>
-              <a:t>1/8/2017</a:t>
+              <a:t>1/9/2017</a:t>
             </a:fld>
             <a:endParaRPr lang="en-US" dirty="0"/>
           </a:p>
@@ -4554,7 +4554,7 @@
             <a:fld id="{B61BEF0D-F0BB-DE4B-95CE-6DB70DBA9567}" type="datetimeFigureOut">
               <a:rPr lang="en-US" dirty="0"/>
               <a:pPr/>
-              <a:t>1/8/2017</a:t>
+              <a:t>1/9/2017</a:t>
             </a:fld>
             <a:endParaRPr lang="en-US" dirty="0"/>
           </a:p>
@@ -4756,7 +4756,7 @@
             <a:fld id="{B61BEF0D-F0BB-DE4B-95CE-6DB70DBA9567}" type="datetimeFigureOut">
               <a:rPr lang="en-US" dirty="0"/>
               <a:pPr/>
-              <a:t>1/8/2017</a:t>
+              <a:t>1/9/2017</a:t>
             </a:fld>
             <a:endParaRPr lang="en-US" dirty="0"/>
           </a:p>
@@ -4930,7 +4930,7 @@
             <a:fld id="{B61BEF0D-F0BB-DE4B-95CE-6DB70DBA9567}" type="datetimeFigureOut">
               <a:rPr lang="en-US" dirty="0"/>
               <a:pPr/>
-              <a:t>1/8/2017</a:t>
+              <a:t>1/9/2017</a:t>
             </a:fld>
             <a:endParaRPr lang="en-US" dirty="0"/>
           </a:p>
@@ -5260,7 +5260,7 @@
             <a:fld id="{B61BEF0D-F0BB-DE4B-95CE-6DB70DBA9567}" type="datetimeFigureOut">
               <a:rPr lang="en-US" dirty="0"/>
               <a:pPr/>
-              <a:t>1/8/2017</a:t>
+              <a:t>1/9/2017</a:t>
             </a:fld>
             <a:endParaRPr lang="en-US" dirty="0"/>
           </a:p>
@@ -5602,7 +5602,7 @@
             <a:fld id="{B61BEF0D-F0BB-DE4B-95CE-6DB70DBA9567}" type="datetimeFigureOut">
               <a:rPr lang="en-US" dirty="0"/>
               <a:pPr/>
-              <a:t>1/8/2017</a:t>
+              <a:t>1/9/2017</a:t>
             </a:fld>
             <a:endParaRPr lang="en-US" dirty="0"/>
           </a:p>
@@ -7716,7 +7716,7 @@
             <a:fld id="{B61BEF0D-F0BB-DE4B-95CE-6DB70DBA9567}" type="datetimeFigureOut">
               <a:rPr lang="en-US" dirty="0"/>
               <a:pPr/>
-              <a:t>1/8/2017</a:t>
+              <a:t>1/9/2017</a:t>
             </a:fld>
             <a:endParaRPr lang="en-US" dirty="0"/>
           </a:p>
@@ -8583,7 +8583,7 @@
           <a:p>
             <a:r>
               <a:rPr lang="nl-NL" dirty="0"/>
-              <a:t>Doelstellingen en afgerond</a:t>
+              <a:t>Doelstellingen deze sprint</a:t>
             </a:r>
           </a:p>
         </p:txBody>
@@ -9155,7 +9155,13 @@
           <a:p>
             <a:r>
               <a:rPr lang="nl-NL" dirty="0"/>
-              <a:t>403-Forbidden</a:t>
+              <a:t>Loginsysteem met 403-Forbidden</a:t>
+            </a:r>
+          </a:p>
+          <a:p>
+            <a:r>
+              <a:rPr lang="nl-NL" dirty="0"/>
+              <a:t>Invoer formulieren filteren (contactformulier)</a:t>
             </a:r>
           </a:p>
         </p:txBody>
@@ -9241,7 +9247,7 @@
           <a:p>
             <a:r>
               <a:rPr lang="nl-NL" dirty="0"/>
-              <a:t>Formulieren checken op foutieve invoer</a:t>
+              <a:t>Formulieren checken op foutieve invoer (boeken)</a:t>
             </a:r>
           </a:p>
           <a:p>
@@ -9255,7 +9261,18 @@
               <a:rPr lang="nl-NL" dirty="0" err="1"/>
               <a:t>Logging</a:t>
             </a:r>
-            <a:endParaRPr lang="nl-NL" dirty="0"/>
+            <a:r>
+              <a:rPr lang="nl-NL" dirty="0"/>
+              <a:t> + </a:t>
+            </a:r>
+            <a:r>
+              <a:rPr lang="nl-NL" dirty="0" err="1"/>
+              <a:t>timeout</a:t>
+            </a:r>
+            <a:r>
+              <a:rPr lang="nl-NL" dirty="0"/>
+              <a:t> loginsysteem</a:t>
+            </a:r>
           </a:p>
           <a:p>
             <a:r>
